--- a/src/pages/events/2025-03-12/slides/01_basics_ja.pptx
+++ b/src/pages/events/2025-03-12/slides/01_basics_ja.pptx
@@ -485,7 +485,7 @@
   <pc:docChgLst>
     <pc:chgData name="田浦　健次朗" userId="4dc884a8-fd95-403d-a383-b378924a686d" providerId="ADAL" clId="{A9D00BF1-EFCC-4ABD-9BF5-3691036B85B2}"/>
     <pc:docChg chg="undo custSel addSld delSld modSld">
-      <pc:chgData name="田浦　健次朗" userId="4dc884a8-fd95-403d-a383-b378924a686d" providerId="ADAL" clId="{A9D00BF1-EFCC-4ABD-9BF5-3691036B85B2}" dt="2025-03-11T09:13:15.772" v="1013" actId="1076"/>
+      <pc:chgData name="田浦　健次朗" userId="4dc884a8-fd95-403d-a383-b378924a686d" providerId="ADAL" clId="{A9D00BF1-EFCC-4ABD-9BF5-3691036B85B2}" dt="2025-03-11T13:27:18.129" v="1104" actId="14100"/>
       <pc:docMkLst>
         <pc:docMk/>
       </pc:docMkLst>
@@ -638,14 +638,22 @@
           </ac:spMkLst>
         </pc:spChg>
       </pc:sldChg>
-      <pc:sldChg chg="addSp modSp">
-        <pc:chgData name="田浦　健次朗" userId="4dc884a8-fd95-403d-a383-b378924a686d" providerId="ADAL" clId="{A9D00BF1-EFCC-4ABD-9BF5-3691036B85B2}" dt="2025-03-11T09:13:15.772" v="1013" actId="1076"/>
+      <pc:sldChg chg="addSp modSp mod">
+        <pc:chgData name="田浦　健次朗" userId="4dc884a8-fd95-403d-a383-b378924a686d" providerId="ADAL" clId="{A9D00BF1-EFCC-4ABD-9BF5-3691036B85B2}" dt="2025-03-11T13:27:18.129" v="1104" actId="14100"/>
         <pc:sldMkLst>
           <pc:docMk/>
           <pc:sldMk cId="3038664764" sldId="1366"/>
         </pc:sldMkLst>
+        <pc:spChg chg="mod">
+          <ac:chgData name="田浦　健次朗" userId="4dc884a8-fd95-403d-a383-b378924a686d" providerId="ADAL" clId="{A9D00BF1-EFCC-4ABD-9BF5-3691036B85B2}" dt="2025-03-11T13:27:12.735" v="1103" actId="14100"/>
+          <ac:spMkLst>
+            <pc:docMk/>
+            <pc:sldMk cId="3038664764" sldId="1366"/>
+            <ac:spMk id="3" creationId="{16FF0A75-AD20-769F-6C62-614A33EDE4D0}"/>
+          </ac:spMkLst>
+        </pc:spChg>
         <pc:spChg chg="add mod">
-          <ac:chgData name="田浦　健次朗" userId="4dc884a8-fd95-403d-a383-b378924a686d" providerId="ADAL" clId="{A9D00BF1-EFCC-4ABD-9BF5-3691036B85B2}" dt="2025-03-11T09:13:15.772" v="1013" actId="1076"/>
+          <ac:chgData name="田浦　健次朗" userId="4dc884a8-fd95-403d-a383-b378924a686d" providerId="ADAL" clId="{A9D00BF1-EFCC-4ABD-9BF5-3691036B85B2}" dt="2025-03-11T13:25:44.709" v="1074" actId="14100"/>
           <ac:spMkLst>
             <pc:docMk/>
             <pc:sldMk cId="3038664764" sldId="1366"/>
@@ -653,16 +661,24 @@
           </ac:spMkLst>
         </pc:spChg>
         <pc:spChg chg="add mod">
-          <ac:chgData name="田浦　健次朗" userId="4dc884a8-fd95-403d-a383-b378924a686d" providerId="ADAL" clId="{A9D00BF1-EFCC-4ABD-9BF5-3691036B85B2}" dt="2025-03-11T09:10:38.184" v="1003" actId="208"/>
+          <ac:chgData name="田浦　健次朗" userId="4dc884a8-fd95-403d-a383-b378924a686d" providerId="ADAL" clId="{A9D00BF1-EFCC-4ABD-9BF5-3691036B85B2}" dt="2025-03-11T13:27:18.129" v="1104" actId="14100"/>
           <ac:spMkLst>
             <pc:docMk/>
             <pc:sldMk cId="3038664764" sldId="1366"/>
             <ac:spMk id="8" creationId="{52250A18-3C83-2190-36A0-C4F305C09282}"/>
           </ac:spMkLst>
         </pc:spChg>
+        <pc:spChg chg="mod">
+          <ac:chgData name="田浦　健次朗" userId="4dc884a8-fd95-403d-a383-b378924a686d" providerId="ADAL" clId="{A9D00BF1-EFCC-4ABD-9BF5-3691036B85B2}" dt="2025-03-11T13:26:40.630" v="1101" actId="14100"/>
+          <ac:spMkLst>
+            <pc:docMk/>
+            <pc:sldMk cId="3038664764" sldId="1366"/>
+            <ac:spMk id="10" creationId="{857CC1EC-81CE-D30A-0DE7-D2E36C813446}"/>
+          </ac:spMkLst>
+        </pc:spChg>
       </pc:sldChg>
       <pc:sldChg chg="addSp modSp mod">
-        <pc:chgData name="田浦　健次朗" userId="4dc884a8-fd95-403d-a383-b378924a686d" providerId="ADAL" clId="{A9D00BF1-EFCC-4ABD-9BF5-3691036B85B2}" dt="2025-03-11T08:45:55.842" v="763" actId="2085"/>
+        <pc:chgData name="田浦　健次朗" userId="4dc884a8-fd95-403d-a383-b378924a686d" providerId="ADAL" clId="{A9D00BF1-EFCC-4ABD-9BF5-3691036B85B2}" dt="2025-03-11T13:24:04.733" v="1032" actId="20577"/>
         <pc:sldMkLst>
           <pc:docMk/>
           <pc:sldMk cId="167248985" sldId="1374"/>
@@ -676,7 +692,7 @@
           </ac:spMkLst>
         </pc:spChg>
         <pc:spChg chg="mod">
-          <ac:chgData name="田浦　健次朗" userId="4dc884a8-fd95-403d-a383-b378924a686d" providerId="ADAL" clId="{A9D00BF1-EFCC-4ABD-9BF5-3691036B85B2}" dt="2025-03-11T08:41:23.262" v="697" actId="20577"/>
+          <ac:chgData name="田浦　健次朗" userId="4dc884a8-fd95-403d-a383-b378924a686d" providerId="ADAL" clId="{A9D00BF1-EFCC-4ABD-9BF5-3691036B85B2}" dt="2025-03-11T13:24:04.733" v="1032" actId="20577"/>
           <ac:spMkLst>
             <pc:docMk/>
             <pc:sldMk cId="167248985" sldId="1374"/>
@@ -6847,7 +6863,11 @@
             </a:r>
             <a:r>
               <a:rPr kumimoji="1" lang="ja-JP" altLang="en-US" sz="2400" dirty="0"/>
-              <a:t>桁の数字</a:t>
+              <a:t>桁</a:t>
+            </a:r>
+            <a:r>
+              <a:rPr kumimoji="1" lang="en-US" altLang="ja-JP" sz="2400" dirty="0"/>
+              <a:t>@utac...</a:t>
             </a:r>
             <a:r>
               <a:rPr lang="ja-JP" altLang="en-US" sz="2400" dirty="0"/>
@@ -6856,10 +6876,6 @@
             <a:r>
               <a:rPr kumimoji="1" lang="ja-JP" altLang="en-US" dirty="0"/>
               <a:t>と初期パスワードを入手</a:t>
-            </a:r>
-            <a:r>
-              <a:rPr lang="ja-JP" altLang="en-US" dirty="0"/>
-              <a:t>する</a:t>
             </a:r>
             <a:endParaRPr kumimoji="1" lang="en-US" altLang="ja-JP" dirty="0"/>
           </a:p>
@@ -21174,7 +21190,12 @@
             <p:ph idx="1"/>
           </p:nvPr>
         </p:nvSpPr>
-        <p:spPr/>
+        <p:spPr>
+          <a:xfrm>
+            <a:off x="838199" y="1251284"/>
+            <a:ext cx="10928927" cy="5174716"/>
+          </a:xfrm>
+        </p:spPr>
         <p:txBody>
           <a:bodyPr>
             <a:normAutofit/>
@@ -21206,24 +21227,12 @@
               <a:buAutoNum type="arabicPeriod"/>
             </a:pPr>
             <a:r>
-              <a:rPr lang="en-US" altLang="ja-JP" dirty="0" err="1"/>
-              <a:t>UTokyo</a:t>
-            </a:r>
-            <a:r>
-              <a:rPr lang="en-US" altLang="ja-JP" dirty="0"/>
-              <a:t> Account </a:t>
-            </a:r>
-            <a:r>
-              <a:rPr lang="ja-JP" altLang="en-US" dirty="0"/>
-              <a:t>利用者メニューにアクセスして，</a:t>
-            </a:r>
-            <a:r>
               <a:rPr lang="ja-JP" altLang="en-US" b="1" dirty="0">
                 <a:solidFill>
                   <a:srgbClr val="155F90"/>
                 </a:solidFill>
               </a:rPr>
-              <a:t>パスワードを変更</a:t>
+              <a:t>初期パスワードを変更</a:t>
             </a:r>
             <a:r>
               <a:rPr lang="ja-JP" altLang="en-US" dirty="0"/>
@@ -21232,7 +21241,7 @@
             <a:endParaRPr lang="en-US" altLang="ja-JP" dirty="0"/>
           </a:p>
           <a:p>
-            <a:pPr lvl="2">
+            <a:pPr lvl="1">
               <a:lnSpc>
                 <a:spcPct val="100000"/>
               </a:lnSpc>
@@ -21447,8 +21456,8 @@
         </p:nvSpPr>
         <p:spPr>
           <a:xfrm>
-            <a:off x="516000" y="5337348"/>
-            <a:ext cx="11160000" cy="538736"/>
+            <a:off x="2715491" y="5337348"/>
+            <a:ext cx="7038110" cy="538736"/>
           </a:xfrm>
           <a:prstGeom prst="rect">
             <a:avLst/>
@@ -21483,7 +21492,7 @@
             <a:pPr algn="ctr"/>
             <a:r>
               <a:rPr lang="ja-JP" altLang="en-US" sz="2000" b="1" dirty="0"/>
-              <a:t>すみやかに多要素認証の設定まで済ませ，安心・快適に各システムをお使いください</a:t>
+              <a:t>以上を済ませ，安心・快適に各システムをお使いください</a:t>
             </a:r>
             <a:endParaRPr kumimoji="1" lang="ja-JP" altLang="en-US" sz="2000" b="1" dirty="0"/>
           </a:p>
@@ -21503,8 +21512,8 @@
         </p:nvSpPr>
         <p:spPr>
           <a:xfrm>
-            <a:off x="838200" y="1871330"/>
-            <a:ext cx="10432312" cy="2498651"/>
+            <a:off x="838200" y="1871331"/>
+            <a:ext cx="10698018" cy="2044888"/>
           </a:xfrm>
           <a:prstGeom prst="rect">
             <a:avLst/>
@@ -21557,8 +21566,8 @@
         </p:nvSpPr>
         <p:spPr>
           <a:xfrm>
-            <a:off x="6600161" y="1498651"/>
-            <a:ext cx="4795283" cy="404716"/>
+            <a:off x="7010400" y="1745330"/>
+            <a:ext cx="4385044" cy="404716"/>
           </a:xfrm>
           <a:prstGeom prst="rect">
             <a:avLst/>
@@ -21609,7 +21618,7 @@
                   </a:schemeClr>
                 </a:solidFill>
               </a:rPr>
-              <a:t>利用者情報確認サイトから</a:t>
+              <a:t>利用者情報確認サイト</a:t>
             </a:r>
             <a:endParaRPr kumimoji="1" lang="ja-JP" altLang="en-US" dirty="0">
               <a:solidFill>
@@ -25165,17 +25174,6 @@
 </file>
 
 <file path=customXml/item1.xml><?xml version="1.0" encoding="utf-8"?>
-<p:properties xmlns:p="http://schemas.microsoft.com/office/2006/metadata/properties" xmlns:xsi="http://www.w3.org/2001/XMLSchema-instance" xmlns:pc="http://schemas.microsoft.com/office/infopath/2007/PartnerControls">
-  <documentManagement>
-    <TaxCatchAll xmlns="b060e5a1-51d4-46e7-9a5b-f495fb1d1068" xsi:nil="true"/>
-    <lcf76f155ced4ddcb4097134ff3c332f xmlns="f7d78b45-837d-4ce6-9082-fef648083af7">
-      <Terms xmlns="http://schemas.microsoft.com/office/infopath/2007/PartnerControls"/>
-    </lcf76f155ced4ddcb4097134ff3c332f>
-  </documentManagement>
-</p:properties>
-</file>
-
-<file path=customXml/item2.xml><?xml version="1.0" encoding="utf-8"?>
 <ct:contentTypeSchema xmlns:ct="http://schemas.microsoft.com/office/2006/metadata/contentType" xmlns:ma="http://schemas.microsoft.com/office/2006/metadata/properties/metaAttributes" ct:_="" ma:_="" ma:contentTypeName="ドキュメント" ma:contentTypeID="0x010100877763BC7A02A247BF541BEEA2238C01" ma:contentTypeVersion="14" ma:contentTypeDescription="新しいドキュメントを作成します。" ma:contentTypeScope="" ma:versionID="ad27d2933186c9f45b16420b923bc165">
   <xsd:schema xmlns:xsd="http://www.w3.org/2001/XMLSchema" xmlns:xs="http://www.w3.org/2001/XMLSchema" xmlns:p="http://schemas.microsoft.com/office/2006/metadata/properties" xmlns:ns2="f7d78b45-837d-4ce6-9082-fef648083af7" xmlns:ns3="b060e5a1-51d4-46e7-9a5b-f495fb1d1068" targetNamespace="http://schemas.microsoft.com/office/2006/metadata/properties" ma:root="true" ma:fieldsID="411a77e0b3410c82da6a43fffdee55d4" ns2:_="" ns3:_="">
     <xsd:import namespace="f7d78b45-837d-4ce6-9082-fef648083af7"/>
@@ -25404,7 +25402,7 @@
 </ct:contentTypeSchema>
 </file>
 
-<file path=customXml/item3.xml><?xml version="1.0" encoding="utf-8"?>
+<file path=customXml/item2.xml><?xml version="1.0" encoding="utf-8"?>
 <?mso-contentType ?>
 <FormTemplates xmlns="http://schemas.microsoft.com/sharepoint/v3/contenttype/forms">
   <Display>DocumentLibraryForm</Display>
@@ -25413,26 +25411,18 @@
 </FormTemplates>
 </file>
 
-<file path=customXml/itemProps1.xml><?xml version="1.0" encoding="utf-8"?>
-<ds:datastoreItem xmlns:ds="http://schemas.openxmlformats.org/officeDocument/2006/customXml" ds:itemID="{613B5A8C-C2D2-4C49-A03B-B41437F9A3AD}">
-  <ds:schemaRefs>
-    <ds:schemaRef ds:uri="http://purl.org/dc/terms/"/>
-    <ds:schemaRef ds:uri="http://www.w3.org/XML/1998/namespace"/>
-    <ds:schemaRef ds:uri="http://schemas.microsoft.com/office/infopath/2007/PartnerControls"/>
-    <ds:schemaRef ds:uri="http://schemas.microsoft.com/office/2006/documentManagement/types"/>
-    <ds:schemaRef ds:uri="334cf2e0-0245-4f40-82a3-a831e5e7775a"/>
-    <ds:schemaRef ds:uri="http://schemas.openxmlformats.org/package/2006/metadata/core-properties"/>
-    <ds:schemaRef ds:uri="http://purl.org/dc/elements/1.1/"/>
-    <ds:schemaRef ds:uri="d89fd5b0-f297-46a7-8c43-79b7b7b34272"/>
-    <ds:schemaRef ds:uri="http://schemas.microsoft.com/office/2006/metadata/properties"/>
-    <ds:schemaRef ds:uri="http://purl.org/dc/dcmitype/"/>
-    <ds:schemaRef ds:uri="b060e5a1-51d4-46e7-9a5b-f495fb1d1068"/>
-    <ds:schemaRef ds:uri="f7d78b45-837d-4ce6-9082-fef648083af7"/>
-  </ds:schemaRefs>
-</ds:datastoreItem>
+<file path=customXml/item3.xml><?xml version="1.0" encoding="utf-8"?>
+<p:properties xmlns:p="http://schemas.microsoft.com/office/2006/metadata/properties" xmlns:xsi="http://www.w3.org/2001/XMLSchema-instance" xmlns:pc="http://schemas.microsoft.com/office/infopath/2007/PartnerControls">
+  <documentManagement>
+    <TaxCatchAll xmlns="b060e5a1-51d4-46e7-9a5b-f495fb1d1068" xsi:nil="true"/>
+    <lcf76f155ced4ddcb4097134ff3c332f xmlns="f7d78b45-837d-4ce6-9082-fef648083af7">
+      <Terms xmlns="http://schemas.microsoft.com/office/infopath/2007/PartnerControls"/>
+    </lcf76f155ced4ddcb4097134ff3c332f>
+  </documentManagement>
+</p:properties>
 </file>
 
-<file path=customXml/itemProps2.xml><?xml version="1.0" encoding="utf-8"?>
+<file path=customXml/itemProps1.xml><?xml version="1.0" encoding="utf-8"?>
 <ds:datastoreItem xmlns:ds="http://schemas.openxmlformats.org/officeDocument/2006/customXml" ds:itemID="{AB95EE2B-0C44-41FE-9150-06CCD6E300BB}">
   <ds:schemaRefs>
     <ds:schemaRef ds:uri="http://schemas.microsoft.com/office/2006/metadata/contentType"/>
@@ -25451,10 +25441,29 @@
 </ds:datastoreItem>
 </file>
 
-<file path=customXml/itemProps3.xml><?xml version="1.0" encoding="utf-8"?>
+<file path=customXml/itemProps2.xml><?xml version="1.0" encoding="utf-8"?>
 <ds:datastoreItem xmlns:ds="http://schemas.openxmlformats.org/officeDocument/2006/customXml" ds:itemID="{6130639F-8A0E-4631-BB2C-1307E9C18413}">
   <ds:schemaRefs>
     <ds:schemaRef ds:uri="http://schemas.microsoft.com/sharepoint/v3/contenttype/forms"/>
   </ds:schemaRefs>
 </ds:datastoreItem>
+</file>
+
+<file path=customXml/itemProps3.xml><?xml version="1.0" encoding="utf-8"?>
+<ds:datastoreItem xmlns:ds="http://schemas.openxmlformats.org/officeDocument/2006/customXml" ds:itemID="{613B5A8C-C2D2-4C49-A03B-B41437F9A3AD}">
+  <ds:schemaRefs>
+    <ds:schemaRef ds:uri="http://purl.org/dc/terms/"/>
+    <ds:schemaRef ds:uri="http://www.w3.org/XML/1998/namespace"/>
+    <ds:schemaRef ds:uri="http://schemas.microsoft.com/office/infopath/2007/PartnerControls"/>
+    <ds:schemaRef ds:uri="http://schemas.microsoft.com/office/2006/documentManagement/types"/>
+    <ds:schemaRef ds:uri="334cf2e0-0245-4f40-82a3-a831e5e7775a"/>
+    <ds:schemaRef ds:uri="http://schemas.openxmlformats.org/package/2006/metadata/core-properties"/>
+    <ds:schemaRef ds:uri="http://purl.org/dc/elements/1.1/"/>
+    <ds:schemaRef ds:uri="d89fd5b0-f297-46a7-8c43-79b7b7b34272"/>
+    <ds:schemaRef ds:uri="http://schemas.microsoft.com/office/2006/metadata/properties"/>
+    <ds:schemaRef ds:uri="http://purl.org/dc/dcmitype/"/>
+    <ds:schemaRef ds:uri="b060e5a1-51d4-46e7-9a5b-f495fb1d1068"/>
+    <ds:schemaRef ds:uri="f7d78b45-837d-4ce6-9082-fef648083af7"/>
+  </ds:schemaRefs>
+</ds:datastoreItem>
 </file>
--- a/src/pages/events/2025-03-12/slides/01_basics_ja.pptx
+++ b/src/pages/events/2025-03-12/slides/01_basics_ja.pptx
@@ -175,29 +175,6 @@
       <pc:docMkLst>
         <pc:docMk/>
       </pc:docMkLst>
-    </pc:docChg>
-  </pc:docChgLst>
-  <pc:docChgLst>
-    <pc:chgData name="佐藤　寛也" userId="27837c8b-abaf-4096-b544-58e4cbe7054e" providerId="ADAL" clId="{D411B32B-4B51-4239-9281-7D82F7DB45CC}"/>
-    <pc:docChg chg="custSel modSld">
-      <pc:chgData name="佐藤　寛也" userId="27837c8b-abaf-4096-b544-58e4cbe7054e" providerId="ADAL" clId="{D411B32B-4B51-4239-9281-7D82F7DB45CC}" dt="2024-07-01T10:36:41.318" v="5"/>
-      <pc:docMkLst>
-        <pc:docMk/>
-      </pc:docMkLst>
-      <pc:sldChg chg="addSp delSp modSp mod">
-        <pc:chgData name="佐藤　寛也" userId="27837c8b-abaf-4096-b544-58e4cbe7054e" providerId="ADAL" clId="{D411B32B-4B51-4239-9281-7D82F7DB45CC}" dt="2024-07-01T10:36:41.318" v="5"/>
-        <pc:sldMkLst>
-          <pc:docMk/>
-          <pc:sldMk cId="2292264982" sldId="256"/>
-        </pc:sldMkLst>
-      </pc:sldChg>
-      <pc:sldChg chg="modSp mod">
-        <pc:chgData name="佐藤　寛也" userId="27837c8b-abaf-4096-b544-58e4cbe7054e" providerId="ADAL" clId="{D411B32B-4B51-4239-9281-7D82F7DB45CC}" dt="2024-07-01T10:04:19.269" v="3" actId="14100"/>
-        <pc:sldMkLst>
-          <pc:docMk/>
-          <pc:sldMk cId="154155697" sldId="1403"/>
-        </pc:sldMkLst>
-      </pc:sldChg>
     </pc:docChg>
   </pc:docChgLst>
   <pc:docChgLst>
@@ -1428,6 +1405,29 @@
             <ac:spMk id="2" creationId="{AB4FBB2F-42E0-075D-AB74-F1E678F29E33}"/>
           </ac:spMkLst>
         </pc:spChg>
+      </pc:sldChg>
+    </pc:docChg>
+  </pc:docChgLst>
+  <pc:docChgLst>
+    <pc:chgData name="佐藤　寛也" userId="27837c8b-abaf-4096-b544-58e4cbe7054e" providerId="ADAL" clId="{D411B32B-4B51-4239-9281-7D82F7DB45CC}"/>
+    <pc:docChg chg="custSel modSld">
+      <pc:chgData name="佐藤　寛也" userId="27837c8b-abaf-4096-b544-58e4cbe7054e" providerId="ADAL" clId="{D411B32B-4B51-4239-9281-7D82F7DB45CC}" dt="2024-07-01T10:36:41.318" v="5"/>
+      <pc:docMkLst>
+        <pc:docMk/>
+      </pc:docMkLst>
+      <pc:sldChg chg="addSp delSp modSp mod">
+        <pc:chgData name="佐藤　寛也" userId="27837c8b-abaf-4096-b544-58e4cbe7054e" providerId="ADAL" clId="{D411B32B-4B51-4239-9281-7D82F7DB45CC}" dt="2024-07-01T10:36:41.318" v="5"/>
+        <pc:sldMkLst>
+          <pc:docMk/>
+          <pc:sldMk cId="2292264982" sldId="256"/>
+        </pc:sldMkLst>
+      </pc:sldChg>
+      <pc:sldChg chg="modSp mod">
+        <pc:chgData name="佐藤　寛也" userId="27837c8b-abaf-4096-b544-58e4cbe7054e" providerId="ADAL" clId="{D411B32B-4B51-4239-9281-7D82F7DB45CC}" dt="2024-07-01T10:04:19.269" v="3" actId="14100"/>
+        <pc:sldMkLst>
+          <pc:docMk/>
+          <pc:sldMk cId="154155697" sldId="1403"/>
+        </pc:sldMkLst>
       </pc:sldChg>
     </pc:docChg>
   </pc:docChgLst>
@@ -21607,6 +21607,7 @@
                     <a:lumMod val="50000"/>
                   </a:schemeClr>
                 </a:solidFill>
+                <a:hlinkClick r:id="rId3"/>
               </a:rPr>
               <a:t>UTokyo Account</a:t>
             </a:r>
@@ -21617,6 +21618,7 @@
                     <a:lumMod val="50000"/>
                   </a:schemeClr>
                 </a:solidFill>
+                <a:hlinkClick r:id="rId3"/>
               </a:rPr>
               <a:t>利用者情報確認サイト</a:t>
             </a:r>
@@ -25174,6 +25176,17 @@
 </file>
 
 <file path=customXml/item1.xml><?xml version="1.0" encoding="utf-8"?>
+<p:properties xmlns:p="http://schemas.microsoft.com/office/2006/metadata/properties" xmlns:xsi="http://www.w3.org/2001/XMLSchema-instance" xmlns:pc="http://schemas.microsoft.com/office/infopath/2007/PartnerControls">
+  <documentManagement>
+    <TaxCatchAll xmlns="b060e5a1-51d4-46e7-9a5b-f495fb1d1068" xsi:nil="true"/>
+    <lcf76f155ced4ddcb4097134ff3c332f xmlns="f7d78b45-837d-4ce6-9082-fef648083af7">
+      <Terms xmlns="http://schemas.microsoft.com/office/infopath/2007/PartnerControls"/>
+    </lcf76f155ced4ddcb4097134ff3c332f>
+  </documentManagement>
+</p:properties>
+</file>
+
+<file path=customXml/item2.xml><?xml version="1.0" encoding="utf-8"?>
 <ct:contentTypeSchema xmlns:ct="http://schemas.microsoft.com/office/2006/metadata/contentType" xmlns:ma="http://schemas.microsoft.com/office/2006/metadata/properties/metaAttributes" ct:_="" ma:_="" ma:contentTypeName="ドキュメント" ma:contentTypeID="0x010100877763BC7A02A247BF541BEEA2238C01" ma:contentTypeVersion="14" ma:contentTypeDescription="新しいドキュメントを作成します。" ma:contentTypeScope="" ma:versionID="ad27d2933186c9f45b16420b923bc165">
   <xsd:schema xmlns:xsd="http://www.w3.org/2001/XMLSchema" xmlns:xs="http://www.w3.org/2001/XMLSchema" xmlns:p="http://schemas.microsoft.com/office/2006/metadata/properties" xmlns:ns2="f7d78b45-837d-4ce6-9082-fef648083af7" xmlns:ns3="b060e5a1-51d4-46e7-9a5b-f495fb1d1068" targetNamespace="http://schemas.microsoft.com/office/2006/metadata/properties" ma:root="true" ma:fieldsID="411a77e0b3410c82da6a43fffdee55d4" ns2:_="" ns3:_="">
     <xsd:import namespace="f7d78b45-837d-4ce6-9082-fef648083af7"/>
@@ -25402,7 +25415,7 @@
 </ct:contentTypeSchema>
 </file>
 
-<file path=customXml/item2.xml><?xml version="1.0" encoding="utf-8"?>
+<file path=customXml/item3.xml><?xml version="1.0" encoding="utf-8"?>
 <?mso-contentType ?>
 <FormTemplates xmlns="http://schemas.microsoft.com/sharepoint/v3/contenttype/forms">
   <Display>DocumentLibraryForm</Display>
@@ -25411,18 +25424,26 @@
 </FormTemplates>
 </file>
 
-<file path=customXml/item3.xml><?xml version="1.0" encoding="utf-8"?>
-<p:properties xmlns:p="http://schemas.microsoft.com/office/2006/metadata/properties" xmlns:xsi="http://www.w3.org/2001/XMLSchema-instance" xmlns:pc="http://schemas.microsoft.com/office/infopath/2007/PartnerControls">
-  <documentManagement>
-    <TaxCatchAll xmlns="b060e5a1-51d4-46e7-9a5b-f495fb1d1068" xsi:nil="true"/>
-    <lcf76f155ced4ddcb4097134ff3c332f xmlns="f7d78b45-837d-4ce6-9082-fef648083af7">
-      <Terms xmlns="http://schemas.microsoft.com/office/infopath/2007/PartnerControls"/>
-    </lcf76f155ced4ddcb4097134ff3c332f>
-  </documentManagement>
-</p:properties>
+<file path=customXml/itemProps1.xml><?xml version="1.0" encoding="utf-8"?>
+<ds:datastoreItem xmlns:ds="http://schemas.openxmlformats.org/officeDocument/2006/customXml" ds:itemID="{613B5A8C-C2D2-4C49-A03B-B41437F9A3AD}">
+  <ds:schemaRefs>
+    <ds:schemaRef ds:uri="http://purl.org/dc/terms/"/>
+    <ds:schemaRef ds:uri="http://www.w3.org/XML/1998/namespace"/>
+    <ds:schemaRef ds:uri="http://schemas.microsoft.com/office/infopath/2007/PartnerControls"/>
+    <ds:schemaRef ds:uri="http://schemas.microsoft.com/office/2006/documentManagement/types"/>
+    <ds:schemaRef ds:uri="334cf2e0-0245-4f40-82a3-a831e5e7775a"/>
+    <ds:schemaRef ds:uri="http://schemas.openxmlformats.org/package/2006/metadata/core-properties"/>
+    <ds:schemaRef ds:uri="http://purl.org/dc/elements/1.1/"/>
+    <ds:schemaRef ds:uri="d89fd5b0-f297-46a7-8c43-79b7b7b34272"/>
+    <ds:schemaRef ds:uri="http://schemas.microsoft.com/office/2006/metadata/properties"/>
+    <ds:schemaRef ds:uri="http://purl.org/dc/dcmitype/"/>
+    <ds:schemaRef ds:uri="b060e5a1-51d4-46e7-9a5b-f495fb1d1068"/>
+    <ds:schemaRef ds:uri="f7d78b45-837d-4ce6-9082-fef648083af7"/>
+  </ds:schemaRefs>
+</ds:datastoreItem>
 </file>
 
-<file path=customXml/itemProps1.xml><?xml version="1.0" encoding="utf-8"?>
+<file path=customXml/itemProps2.xml><?xml version="1.0" encoding="utf-8"?>
 <ds:datastoreItem xmlns:ds="http://schemas.openxmlformats.org/officeDocument/2006/customXml" ds:itemID="{AB95EE2B-0C44-41FE-9150-06CCD6E300BB}">
   <ds:schemaRefs>
     <ds:schemaRef ds:uri="http://schemas.microsoft.com/office/2006/metadata/contentType"/>
@@ -25441,29 +25462,10 @@
 </ds:datastoreItem>
 </file>
 
-<file path=customXml/itemProps2.xml><?xml version="1.0" encoding="utf-8"?>
+<file path=customXml/itemProps3.xml><?xml version="1.0" encoding="utf-8"?>
 <ds:datastoreItem xmlns:ds="http://schemas.openxmlformats.org/officeDocument/2006/customXml" ds:itemID="{6130639F-8A0E-4631-BB2C-1307E9C18413}">
   <ds:schemaRefs>
     <ds:schemaRef ds:uri="http://schemas.microsoft.com/sharepoint/v3/contenttype/forms"/>
   </ds:schemaRefs>
 </ds:datastoreItem>
-</file>
-
-<file path=customXml/itemProps3.xml><?xml version="1.0" encoding="utf-8"?>
-<ds:datastoreItem xmlns:ds="http://schemas.openxmlformats.org/officeDocument/2006/customXml" ds:itemID="{613B5A8C-C2D2-4C49-A03B-B41437F9A3AD}">
-  <ds:schemaRefs>
-    <ds:schemaRef ds:uri="http://purl.org/dc/terms/"/>
-    <ds:schemaRef ds:uri="http://www.w3.org/XML/1998/namespace"/>
-    <ds:schemaRef ds:uri="http://schemas.microsoft.com/office/infopath/2007/PartnerControls"/>
-    <ds:schemaRef ds:uri="http://schemas.microsoft.com/office/2006/documentManagement/types"/>
-    <ds:schemaRef ds:uri="334cf2e0-0245-4f40-82a3-a831e5e7775a"/>
-    <ds:schemaRef ds:uri="http://schemas.openxmlformats.org/package/2006/metadata/core-properties"/>
-    <ds:schemaRef ds:uri="http://purl.org/dc/elements/1.1/"/>
-    <ds:schemaRef ds:uri="d89fd5b0-f297-46a7-8c43-79b7b7b34272"/>
-    <ds:schemaRef ds:uri="http://schemas.microsoft.com/office/2006/metadata/properties"/>
-    <ds:schemaRef ds:uri="http://purl.org/dc/dcmitype/"/>
-    <ds:schemaRef ds:uri="b060e5a1-51d4-46e7-9a5b-f495fb1d1068"/>
-    <ds:schemaRef ds:uri="f7d78b45-837d-4ce6-9082-fef648083af7"/>
-  </ds:schemaRefs>
-</ds:datastoreItem>
 </file>
--- a/src/pages/events/2025-03-12/slides/01_basics_ja.pptx
+++ b/src/pages/events/2025-03-12/slides/01_basics_ja.pptx
@@ -7521,66 +7521,6 @@
           </a:p>
         </p:txBody>
       </p:sp>
-      <p:pic>
-        <p:nvPicPr>
-          <p:cNvPr id="7" name="図 6">
-            <a:extLst>
-              <a:ext uri="{FF2B5EF4-FFF2-40B4-BE49-F238E27FC236}">
-                <a16:creationId xmlns:a16="http://schemas.microsoft.com/office/drawing/2014/main" id="{CC625D0A-A877-3455-9D69-0F71440E57CD}"/>
-              </a:ext>
-            </a:extLst>
-          </p:cNvPr>
-          <p:cNvPicPr>
-            <a:picLocks noChangeAspect="1"/>
-          </p:cNvPicPr>
-          <p:nvPr/>
-        </p:nvPicPr>
-        <p:blipFill>
-          <a:blip r:embed="rId2"/>
-          <a:stretch>
-            <a:fillRect/>
-          </a:stretch>
-        </p:blipFill>
-        <p:spPr>
-          <a:xfrm>
-            <a:off x="838200" y="1360184"/>
-            <a:ext cx="6324600" cy="4838121"/>
-          </a:xfrm>
-          <a:prstGeom prst="rect">
-            <a:avLst/>
-          </a:prstGeom>
-          <a:solidFill>
-            <a:srgbClr val="FFFFFF">
-              <a:shade val="85000"/>
-            </a:srgbClr>
-          </a:solidFill>
-          <a:ln w="88900" cap="sq">
-            <a:solidFill>
-              <a:srgbClr val="FFFFFF"/>
-            </a:solidFill>
-            <a:miter lim="800000"/>
-          </a:ln>
-          <a:effectLst>
-            <a:outerShdw blurRad="55000" dist="18000" dir="5400000" algn="tl" rotWithShape="0">
-              <a:srgbClr val="000000">
-                <a:alpha val="40000"/>
-              </a:srgbClr>
-            </a:outerShdw>
-          </a:effectLst>
-          <a:scene3d>
-            <a:camera prst="orthographicFront"/>
-            <a:lightRig rig="twoPt" dir="t">
-              <a:rot lat="0" lon="0" rev="7200000"/>
-            </a:lightRig>
-          </a:scene3d>
-          <a:sp3d>
-            <a:bevelT w="25400" h="19050"/>
-            <a:contourClr>
-              <a:srgbClr val="FFFFFF"/>
-            </a:contourClr>
-          </a:sp3d>
-        </p:spPr>
-      </p:pic>
       <p:sp>
         <p:nvSpPr>
           <p:cNvPr id="8" name="テキスト ボックス 7">
@@ -7641,6 +7581,258 @@
       </p:sp>
       <p:sp>
         <p:nvSpPr>
+          <p:cNvPr id="11" name="テキスト ボックス 10">
+            <a:extLst>
+              <a:ext uri="{FF2B5EF4-FFF2-40B4-BE49-F238E27FC236}">
+                <a16:creationId xmlns:a16="http://schemas.microsoft.com/office/drawing/2014/main" id="{DC095611-4140-C6E5-8C2F-FE3B2A27FC7B}"/>
+              </a:ext>
+            </a:extLst>
+          </p:cNvPr>
+          <p:cNvSpPr txBox="1"/>
+          <p:nvPr/>
+        </p:nvSpPr>
+        <p:spPr>
+          <a:xfrm>
+            <a:off x="7848599" y="2248204"/>
+            <a:ext cx="4083658" cy="1384995"/>
+          </a:xfrm>
+          <a:prstGeom prst="rect">
+            <a:avLst/>
+          </a:prstGeom>
+          <a:noFill/>
+        </p:spPr>
+        <p:txBody>
+          <a:bodyPr wrap="square">
+            <a:spAutoFit/>
+          </a:bodyPr>
+          <a:lstStyle/>
+          <a:p>
+            <a:r>
+              <a:rPr lang="en-US" altLang="ja-JP" sz="2800" dirty="0">
+                <a:solidFill>
+                  <a:schemeClr val="accent6"/>
+                </a:solidFill>
+              </a:rPr>
+              <a:t>UTokyo Account</a:t>
+            </a:r>
+            <a:br>
+              <a:rPr lang="en-US" altLang="ja-JP" sz="2800" dirty="0">
+                <a:solidFill>
+                  <a:schemeClr val="accent6"/>
+                </a:solidFill>
+              </a:rPr>
+            </a:br>
+            <a:r>
+              <a:rPr lang="ja-JP" altLang="en-US" sz="2800" dirty="0">
+                <a:solidFill>
+                  <a:schemeClr val="accent6"/>
+                </a:solidFill>
+              </a:rPr>
+              <a:t>（</a:t>
+            </a:r>
+            <a:r>
+              <a:rPr lang="en-US" altLang="ja-JP" sz="2800" dirty="0">
+                <a:solidFill>
+                  <a:schemeClr val="accent6"/>
+                </a:solidFill>
+              </a:rPr>
+              <a:t>10</a:t>
+            </a:r>
+            <a:r>
+              <a:rPr lang="ja-JP" altLang="en-US" sz="2800" dirty="0">
+                <a:solidFill>
+                  <a:schemeClr val="accent6"/>
+                </a:solidFill>
+              </a:rPr>
+              <a:t>桁</a:t>
+            </a:r>
+            <a:r>
+              <a:rPr lang="en-US" altLang="ja-JP" sz="2800" dirty="0">
+                <a:solidFill>
+                  <a:schemeClr val="accent6"/>
+                </a:solidFill>
+              </a:rPr>
+              <a:t>@utac...</a:t>
+            </a:r>
+            <a:r>
+              <a:rPr lang="ja-JP" altLang="en-US" sz="2800" dirty="0">
+                <a:solidFill>
+                  <a:schemeClr val="accent6"/>
+                </a:solidFill>
+              </a:rPr>
+              <a:t>）と</a:t>
+            </a:r>
+            <a:endParaRPr lang="en-US" altLang="ja-JP" sz="2800" dirty="0">
+              <a:solidFill>
+                <a:schemeClr val="accent6"/>
+              </a:solidFill>
+            </a:endParaRPr>
+          </a:p>
+          <a:p>
+            <a:r>
+              <a:rPr lang="ja-JP" altLang="en-US" sz="2800" dirty="0">
+                <a:solidFill>
+                  <a:schemeClr val="accent6"/>
+                </a:solidFill>
+              </a:rPr>
+              <a:t>初期パスワード</a:t>
+            </a:r>
+          </a:p>
+        </p:txBody>
+      </p:sp>
+      <p:grpSp>
+        <p:nvGrpSpPr>
+          <p:cNvPr id="14" name="グループ化 13">
+            <a:extLst>
+              <a:ext uri="{FF2B5EF4-FFF2-40B4-BE49-F238E27FC236}">
+                <a16:creationId xmlns:a16="http://schemas.microsoft.com/office/drawing/2014/main" id="{2D897D61-1958-E2F0-1902-64DD6FFFAC85}"/>
+              </a:ext>
+            </a:extLst>
+          </p:cNvPr>
+          <p:cNvGrpSpPr/>
+          <p:nvPr/>
+        </p:nvGrpSpPr>
+        <p:grpSpPr>
+          <a:xfrm>
+            <a:off x="229800" y="1521510"/>
+            <a:ext cx="7028250" cy="4151946"/>
+            <a:chOff x="261257" y="1289695"/>
+            <a:chExt cx="7028250" cy="4151946"/>
+          </a:xfrm>
+        </p:grpSpPr>
+        <p:pic>
+          <p:nvPicPr>
+            <p:cNvPr id="12" name="図 11" descr="テキスト, 手紙&#10;&#10;AI によって生成されたコンテンツは間違っている可能性があります。">
+              <a:extLst>
+                <a:ext uri="{FF2B5EF4-FFF2-40B4-BE49-F238E27FC236}">
+                  <a16:creationId xmlns:a16="http://schemas.microsoft.com/office/drawing/2014/main" id="{F5D98E69-8D0A-7162-821B-3D262C80A553}"/>
+                </a:ext>
+              </a:extLst>
+            </p:cNvPr>
+            <p:cNvPicPr>
+              <a:picLocks noChangeAspect="1"/>
+            </p:cNvPicPr>
+            <p:nvPr/>
+          </p:nvPicPr>
+          <p:blipFill>
+            <a:blip r:embed="rId2">
+              <a:extLst>
+                <a:ext uri="{28A0092B-C50C-407E-A947-70E740481C1C}">
+                  <a14:useLocalDpi xmlns:a14="http://schemas.microsoft.com/office/drawing/2010/main" val="0"/>
+                </a:ext>
+              </a:extLst>
+            </a:blip>
+            <a:srcRect b="58873"/>
+            <a:stretch/>
+          </p:blipFill>
+          <p:spPr>
+            <a:xfrm>
+              <a:off x="291200" y="1371600"/>
+              <a:ext cx="6998307" cy="4070041"/>
+            </a:xfrm>
+            <a:prstGeom prst="rect">
+              <a:avLst/>
+            </a:prstGeom>
+          </p:spPr>
+        </p:pic>
+        <p:sp>
+          <p:nvSpPr>
+            <p:cNvPr id="13" name="正方形/長方形 12">
+              <a:extLst>
+                <a:ext uri="{FF2B5EF4-FFF2-40B4-BE49-F238E27FC236}">
+                  <a16:creationId xmlns:a16="http://schemas.microsoft.com/office/drawing/2014/main" id="{F7CF43B8-0650-3B83-F871-D563F8BCF9F2}"/>
+                </a:ext>
+              </a:extLst>
+            </p:cNvPr>
+            <p:cNvSpPr/>
+            <p:nvPr/>
+          </p:nvSpPr>
+          <p:spPr>
+            <a:xfrm>
+              <a:off x="261257" y="1289695"/>
+              <a:ext cx="6996793" cy="4131391"/>
+            </a:xfrm>
+            <a:prstGeom prst="rect">
+              <a:avLst/>
+            </a:prstGeom>
+            <a:noFill/>
+            <a:ln>
+              <a:solidFill>
+                <a:schemeClr val="tx1"/>
+              </a:solidFill>
+            </a:ln>
+          </p:spPr>
+          <p:style>
+            <a:lnRef idx="2">
+              <a:schemeClr val="accent1">
+                <a:shade val="15000"/>
+              </a:schemeClr>
+            </a:lnRef>
+            <a:fillRef idx="1">
+              <a:schemeClr val="accent1"/>
+            </a:fillRef>
+            <a:effectRef idx="0">
+              <a:schemeClr val="accent1"/>
+            </a:effectRef>
+            <a:fontRef idx="minor">
+              <a:schemeClr val="lt1"/>
+            </a:fontRef>
+          </p:style>
+          <p:txBody>
+            <a:bodyPr rtlCol="0" anchor="ctr"/>
+            <a:lstStyle/>
+            <a:p>
+              <a:pPr algn="ctr"/>
+              <a:endParaRPr kumimoji="1" lang="ja-JP" altLang="en-US"/>
+            </a:p>
+          </p:txBody>
+        </p:sp>
+      </p:grpSp>
+      <p:cxnSp>
+        <p:nvCxnSpPr>
+          <p:cNvPr id="10" name="直線コネクタ 9">
+            <a:extLst>
+              <a:ext uri="{FF2B5EF4-FFF2-40B4-BE49-F238E27FC236}">
+                <a16:creationId xmlns:a16="http://schemas.microsoft.com/office/drawing/2014/main" id="{BEF138A2-246A-82EB-32C8-9E5E269B277D}"/>
+              </a:ext>
+            </a:extLst>
+          </p:cNvPr>
+          <p:cNvCxnSpPr>
+            <a:cxnSpLocks/>
+          </p:cNvCxnSpPr>
+          <p:nvPr/>
+        </p:nvCxnSpPr>
+        <p:spPr>
+          <a:xfrm flipH="1">
+            <a:off x="5148943" y="2743200"/>
+            <a:ext cx="2699656" cy="1761458"/>
+          </a:xfrm>
+          <a:prstGeom prst="line">
+            <a:avLst/>
+          </a:prstGeom>
+          <a:ln w="38100">
+            <a:solidFill>
+              <a:srgbClr val="0070C0"/>
+            </a:solidFill>
+          </a:ln>
+        </p:spPr>
+        <p:style>
+          <a:lnRef idx="1">
+            <a:schemeClr val="accent1"/>
+          </a:lnRef>
+          <a:fillRef idx="0">
+            <a:schemeClr val="accent1"/>
+          </a:fillRef>
+          <a:effectRef idx="0">
+            <a:schemeClr val="accent1"/>
+          </a:effectRef>
+          <a:fontRef idx="minor">
+            <a:schemeClr val="tx1"/>
+          </a:fontRef>
+        </p:style>
+      </p:cxnSp>
+      <p:sp>
+        <p:nvSpPr>
           <p:cNvPr id="9" name="正方形/長方形 8">
             <a:extLst>
               <a:ext uri="{FF2B5EF4-FFF2-40B4-BE49-F238E27FC236}">
@@ -7653,8 +7845,8 @@
         </p:nvSpPr>
         <p:spPr>
           <a:xfrm>
-            <a:off x="3857624" y="4004281"/>
-            <a:ext cx="1038225" cy="516091"/>
+            <a:off x="3758896" y="4504658"/>
+            <a:ext cx="2337104" cy="516091"/>
           </a:xfrm>
           <a:prstGeom prst="rect">
             <a:avLst/>
@@ -7688,111 +7880,6 @@
           <a:p>
             <a:pPr algn="ctr"/>
             <a:endParaRPr kumimoji="1" lang="ja-JP" altLang="en-US"/>
-          </a:p>
-        </p:txBody>
-      </p:sp>
-      <p:cxnSp>
-        <p:nvCxnSpPr>
-          <p:cNvPr id="10" name="直線コネクタ 9">
-            <a:extLst>
-              <a:ext uri="{FF2B5EF4-FFF2-40B4-BE49-F238E27FC236}">
-                <a16:creationId xmlns:a16="http://schemas.microsoft.com/office/drawing/2014/main" id="{BEF138A2-246A-82EB-32C8-9E5E269B277D}"/>
-              </a:ext>
-            </a:extLst>
-          </p:cNvPr>
-          <p:cNvCxnSpPr>
-            <a:cxnSpLocks/>
-          </p:cNvCxnSpPr>
-          <p:nvPr/>
-        </p:nvCxnSpPr>
-        <p:spPr>
-          <a:xfrm flipH="1">
-            <a:off x="4895849" y="2743200"/>
-            <a:ext cx="2952750" cy="1371600"/>
-          </a:xfrm>
-          <a:prstGeom prst="line">
-            <a:avLst/>
-          </a:prstGeom>
-          <a:ln w="38100">
-            <a:solidFill>
-              <a:srgbClr val="0070C0"/>
-            </a:solidFill>
-          </a:ln>
-        </p:spPr>
-        <p:style>
-          <a:lnRef idx="1">
-            <a:schemeClr val="accent1"/>
-          </a:lnRef>
-          <a:fillRef idx="0">
-            <a:schemeClr val="accent1"/>
-          </a:fillRef>
-          <a:effectRef idx="0">
-            <a:schemeClr val="accent1"/>
-          </a:effectRef>
-          <a:fontRef idx="minor">
-            <a:schemeClr val="tx1"/>
-          </a:fontRef>
-        </p:style>
-      </p:cxnSp>
-      <p:sp>
-        <p:nvSpPr>
-          <p:cNvPr id="11" name="テキスト ボックス 10">
-            <a:extLst>
-              <a:ext uri="{FF2B5EF4-FFF2-40B4-BE49-F238E27FC236}">
-                <a16:creationId xmlns:a16="http://schemas.microsoft.com/office/drawing/2014/main" id="{DC095611-4140-C6E5-8C2F-FE3B2A27FC7B}"/>
-              </a:ext>
-            </a:extLst>
-          </p:cNvPr>
-          <p:cNvSpPr txBox="1"/>
-          <p:nvPr/>
-        </p:nvSpPr>
-        <p:spPr>
-          <a:xfrm>
-            <a:off x="7848599" y="2248204"/>
-            <a:ext cx="3448050" cy="954107"/>
-          </a:xfrm>
-          <a:prstGeom prst="rect">
-            <a:avLst/>
-          </a:prstGeom>
-          <a:noFill/>
-        </p:spPr>
-        <p:txBody>
-          <a:bodyPr wrap="square">
-            <a:spAutoFit/>
-          </a:bodyPr>
-          <a:lstStyle/>
-          <a:p>
-            <a:r>
-              <a:rPr lang="en-US" altLang="ja-JP" sz="2800" dirty="0">
-                <a:solidFill>
-                  <a:schemeClr val="accent6"/>
-                </a:solidFill>
-              </a:rPr>
-              <a:t>10</a:t>
-            </a:r>
-            <a:r>
-              <a:rPr lang="ja-JP" altLang="en-US" sz="2800" dirty="0">
-                <a:solidFill>
-                  <a:schemeClr val="accent6"/>
-                </a:solidFill>
-              </a:rPr>
-              <a:t>桁の数字と</a:t>
-            </a:r>
-            <a:endParaRPr lang="en-US" altLang="ja-JP" sz="2800" dirty="0">
-              <a:solidFill>
-                <a:schemeClr val="accent6"/>
-              </a:solidFill>
-            </a:endParaRPr>
-          </a:p>
-          <a:p>
-            <a:r>
-              <a:rPr lang="ja-JP" altLang="en-US" sz="2800" dirty="0">
-                <a:solidFill>
-                  <a:schemeClr val="accent6"/>
-                </a:solidFill>
-              </a:rPr>
-              <a:t>初期パスワード</a:t>
-            </a:r>
           </a:p>
         </p:txBody>
       </p:sp>
@@ -8050,12 +8137,20 @@
           <a:lstStyle/>
           <a:p>
             <a:r>
-              <a:rPr kumimoji="1" lang="en-US" altLang="ja-JP" dirty="0"/>
+              <a:rPr kumimoji="1" lang="en-US" altLang="ja-JP" dirty="0">
+                <a:hlinkClick r:id="rId4"/>
+              </a:rPr>
               <a:t>UTokyo Account</a:t>
             </a:r>
             <a:r>
+              <a:rPr kumimoji="1" lang="ja-JP" altLang="en-US" dirty="0">
+                <a:hlinkClick r:id="rId4"/>
+              </a:rPr>
+              <a:t>利用者情報確認ページ</a:t>
+            </a:r>
+            <a:r>
               <a:rPr kumimoji="1" lang="ja-JP" altLang="en-US" dirty="0"/>
-              <a:t>利用者情報確認ページに</a:t>
+              <a:t>に</a:t>
             </a:r>
             <a:r>
               <a:rPr kumimoji="1" lang="en-US" altLang="ja-JP" dirty="0"/>
@@ -8405,6 +8500,166 @@
           </a:p>
         </p:txBody>
       </p:sp>
+      <p:grpSp>
+        <p:nvGrpSpPr>
+          <p:cNvPr id="8" name="グループ化 7">
+            <a:extLst>
+              <a:ext uri="{FF2B5EF4-FFF2-40B4-BE49-F238E27FC236}">
+                <a16:creationId xmlns:a16="http://schemas.microsoft.com/office/drawing/2014/main" id="{6921725D-47B9-C866-F12B-6BD7F7D02A34}"/>
+              </a:ext>
+            </a:extLst>
+          </p:cNvPr>
+          <p:cNvGrpSpPr/>
+          <p:nvPr/>
+        </p:nvGrpSpPr>
+        <p:grpSpPr>
+          <a:xfrm>
+            <a:off x="274960" y="5564294"/>
+            <a:ext cx="3066336" cy="747937"/>
+            <a:chOff x="8711389" y="5472410"/>
+            <a:chExt cx="3066336" cy="747937"/>
+          </a:xfrm>
+        </p:grpSpPr>
+        <p:sp>
+          <p:nvSpPr>
+            <p:cNvPr id="3" name="正方形/長方形 2">
+              <a:extLst>
+                <a:ext uri="{FF2B5EF4-FFF2-40B4-BE49-F238E27FC236}">
+                  <a16:creationId xmlns:a16="http://schemas.microsoft.com/office/drawing/2014/main" id="{B295D9E8-E44E-D68D-47EC-61E878C9043E}"/>
+                </a:ext>
+              </a:extLst>
+            </p:cNvPr>
+            <p:cNvSpPr/>
+            <p:nvPr/>
+          </p:nvSpPr>
+          <p:spPr>
+            <a:xfrm>
+              <a:off x="8711389" y="5759417"/>
+              <a:ext cx="2854373" cy="375838"/>
+            </a:xfrm>
+            <a:prstGeom prst="rect">
+              <a:avLst/>
+            </a:prstGeom>
+            <a:solidFill>
+              <a:schemeClr val="bg1"/>
+            </a:solidFill>
+          </p:spPr>
+          <p:style>
+            <a:lnRef idx="2">
+              <a:schemeClr val="accent1">
+                <a:shade val="15000"/>
+              </a:schemeClr>
+            </a:lnRef>
+            <a:fillRef idx="1">
+              <a:schemeClr val="accent1"/>
+            </a:fillRef>
+            <a:effectRef idx="0">
+              <a:schemeClr val="accent1"/>
+            </a:effectRef>
+            <a:fontRef idx="minor">
+              <a:schemeClr val="lt1"/>
+            </a:fontRef>
+          </p:style>
+          <p:txBody>
+            <a:bodyPr rtlCol="0" anchor="ctr"/>
+            <a:lstStyle/>
+            <a:p>
+              <a:r>
+                <a:rPr lang="en-US" altLang="ja-JP" dirty="0" err="1">
+                  <a:solidFill>
+                    <a:schemeClr val="tx1"/>
+                  </a:solidFill>
+                  <a:latin typeface="Calibri" panose="020F0502020204030204" pitchFamily="34" charset="0"/>
+                  <a:ea typeface="Calibri" panose="020F0502020204030204" pitchFamily="34" charset="0"/>
+                  <a:cs typeface="Calibri" panose="020F0502020204030204" pitchFamily="34" charset="0"/>
+                </a:rPr>
+                <a:t>u</a:t>
+              </a:r>
+              <a:r>
+                <a:rPr kumimoji="1" lang="en-US" altLang="ja-JP" dirty="0" err="1">
+                  <a:solidFill>
+                    <a:schemeClr val="tx1"/>
+                  </a:solidFill>
+                  <a:latin typeface="Calibri" panose="020F0502020204030204" pitchFamily="34" charset="0"/>
+                  <a:ea typeface="Calibri" panose="020F0502020204030204" pitchFamily="34" charset="0"/>
+                  <a:cs typeface="Calibri" panose="020F0502020204030204" pitchFamily="34" charset="0"/>
+                </a:rPr>
+                <a:t>telecon</a:t>
+              </a:r>
+              <a:r>
+                <a:rPr kumimoji="1" lang="en-US" altLang="ja-JP" dirty="0">
+                  <a:solidFill>
+                    <a:schemeClr val="tx1"/>
+                  </a:solidFill>
+                  <a:latin typeface="Calibri" panose="020F0502020204030204" pitchFamily="34" charset="0"/>
+                  <a:ea typeface="Calibri" panose="020F0502020204030204" pitchFamily="34" charset="0"/>
+                  <a:cs typeface="Calibri" panose="020F0502020204030204" pitchFamily="34" charset="0"/>
+                </a:rPr>
+                <a:t> </a:t>
+              </a:r>
+              <a:r>
+                <a:rPr kumimoji="1" lang="en-US" altLang="ja-JP" dirty="0" err="1">
+                  <a:solidFill>
+                    <a:schemeClr val="tx1"/>
+                  </a:solidFill>
+                  <a:latin typeface="Calibri" panose="020F0502020204030204" pitchFamily="34" charset="0"/>
+                  <a:ea typeface="Calibri" panose="020F0502020204030204" pitchFamily="34" charset="0"/>
+                  <a:cs typeface="Calibri" panose="020F0502020204030204" pitchFamily="34" charset="0"/>
+                </a:rPr>
+                <a:t>utokyo</a:t>
+              </a:r>
+              <a:r>
+                <a:rPr kumimoji="1" lang="en-US" altLang="ja-JP" dirty="0">
+                  <a:solidFill>
+                    <a:schemeClr val="tx1"/>
+                  </a:solidFill>
+                  <a:latin typeface="Calibri" panose="020F0502020204030204" pitchFamily="34" charset="0"/>
+                  <a:ea typeface="Calibri" panose="020F0502020204030204" pitchFamily="34" charset="0"/>
+                  <a:cs typeface="Calibri" panose="020F0502020204030204" pitchFamily="34" charset="0"/>
+                </a:rPr>
+                <a:t> account</a:t>
+              </a:r>
+              <a:endParaRPr kumimoji="1" lang="ja-JP" altLang="en-US" dirty="0">
+                <a:solidFill>
+                  <a:schemeClr val="tx1"/>
+                </a:solidFill>
+                <a:latin typeface="Calibri" panose="020F0502020204030204" pitchFamily="34" charset="0"/>
+                <a:cs typeface="Calibri" panose="020F0502020204030204" pitchFamily="34" charset="0"/>
+              </a:endParaRPr>
+            </a:p>
+          </p:txBody>
+        </p:sp>
+        <p:pic>
+          <p:nvPicPr>
+            <p:cNvPr id="7" name="図 6" descr="アイコン&#10;&#10;自動的に生成された説明">
+              <a:extLst>
+                <a:ext uri="{FF2B5EF4-FFF2-40B4-BE49-F238E27FC236}">
+                  <a16:creationId xmlns:a16="http://schemas.microsoft.com/office/drawing/2014/main" id="{B2EC1150-D848-25AF-27C8-A53319F7B7E4}"/>
+                </a:ext>
+              </a:extLst>
+            </p:cNvPr>
+            <p:cNvPicPr>
+              <a:picLocks noChangeAspect="1"/>
+            </p:cNvPicPr>
+            <p:nvPr/>
+          </p:nvPicPr>
+          <p:blipFill>
+            <a:blip r:embed="rId5"/>
+            <a:stretch>
+              <a:fillRect/>
+            </a:stretch>
+          </p:blipFill>
+          <p:spPr>
+            <a:xfrm>
+              <a:off x="11129197" y="5472410"/>
+              <a:ext cx="648528" cy="747937"/>
+            </a:xfrm>
+            <a:prstGeom prst="rect">
+              <a:avLst/>
+            </a:prstGeom>
+          </p:spPr>
+        </p:pic>
+      </p:grpSp>
     </p:spTree>
     <p:extLst>
       <p:ext uri="{BB962C8B-B14F-4D97-AF65-F5344CB8AC3E}">
@@ -8684,8 +8939,13 @@
             </a:r>
             <a:r>
               <a:rPr kumimoji="1" lang="ja-JP" altLang="en-US" dirty="0"/>
-              <a:t>その他の必須の研修の受講状況なども表示されますので、どなた様もご覧ください</a:t>
-            </a:r>
+              <a:t>その他の必須の研修の受講状況なども表示されますので、どなた</a:t>
+            </a:r>
+            <a:r>
+              <a:rPr kumimoji="1" lang="ja-JP" altLang="en-US"/>
+              <a:t>様も活用ください</a:t>
+            </a:r>
+            <a:endParaRPr kumimoji="1" lang="ja-JP" altLang="en-US" dirty="0"/>
           </a:p>
         </p:txBody>
       </p:sp>
@@ -25176,6 +25436,15 @@
 </file>
 
 <file path=customXml/item1.xml><?xml version="1.0" encoding="utf-8"?>
+<?mso-contentType ?>
+<FormTemplates xmlns="http://schemas.microsoft.com/sharepoint/v3/contenttype/forms">
+  <Display>DocumentLibraryForm</Display>
+  <Edit>DocumentLibraryForm</Edit>
+  <New>DocumentLibraryForm</New>
+</FormTemplates>
+</file>
+
+<file path=customXml/item2.xml><?xml version="1.0" encoding="utf-8"?>
 <p:properties xmlns:p="http://schemas.microsoft.com/office/2006/metadata/properties" xmlns:xsi="http://www.w3.org/2001/XMLSchema-instance" xmlns:pc="http://schemas.microsoft.com/office/infopath/2007/PartnerControls">
   <documentManagement>
     <TaxCatchAll xmlns="b060e5a1-51d4-46e7-9a5b-f495fb1d1068" xsi:nil="true"/>
@@ -25186,7 +25455,7 @@
 </p:properties>
 </file>
 
-<file path=customXml/item2.xml><?xml version="1.0" encoding="utf-8"?>
+<file path=customXml/item3.xml><?xml version="1.0" encoding="utf-8"?>
 <ct:contentTypeSchema xmlns:ct="http://schemas.microsoft.com/office/2006/metadata/contentType" xmlns:ma="http://schemas.microsoft.com/office/2006/metadata/properties/metaAttributes" ct:_="" ma:_="" ma:contentTypeName="ドキュメント" ma:contentTypeID="0x010100877763BC7A02A247BF541BEEA2238C01" ma:contentTypeVersion="14" ma:contentTypeDescription="新しいドキュメントを作成します。" ma:contentTypeScope="" ma:versionID="ad27d2933186c9f45b16420b923bc165">
   <xsd:schema xmlns:xsd="http://www.w3.org/2001/XMLSchema" xmlns:xs="http://www.w3.org/2001/XMLSchema" xmlns:p="http://schemas.microsoft.com/office/2006/metadata/properties" xmlns:ns2="f7d78b45-837d-4ce6-9082-fef648083af7" xmlns:ns3="b060e5a1-51d4-46e7-9a5b-f495fb1d1068" targetNamespace="http://schemas.microsoft.com/office/2006/metadata/properties" ma:root="true" ma:fieldsID="411a77e0b3410c82da6a43fffdee55d4" ns2:_="" ns3:_="">
     <xsd:import namespace="f7d78b45-837d-4ce6-9082-fef648083af7"/>
@@ -25415,16 +25684,15 @@
 </ct:contentTypeSchema>
 </file>
 
-<file path=customXml/item3.xml><?xml version="1.0" encoding="utf-8"?>
-<?mso-contentType ?>
-<FormTemplates xmlns="http://schemas.microsoft.com/sharepoint/v3/contenttype/forms">
-  <Display>DocumentLibraryForm</Display>
-  <Edit>DocumentLibraryForm</Edit>
-  <New>DocumentLibraryForm</New>
-</FormTemplates>
+<file path=customXml/itemProps1.xml><?xml version="1.0" encoding="utf-8"?>
+<ds:datastoreItem xmlns:ds="http://schemas.openxmlformats.org/officeDocument/2006/customXml" ds:itemID="{6130639F-8A0E-4631-BB2C-1307E9C18413}">
+  <ds:schemaRefs>
+    <ds:schemaRef ds:uri="http://schemas.microsoft.com/sharepoint/v3/contenttype/forms"/>
+  </ds:schemaRefs>
+</ds:datastoreItem>
 </file>
 
-<file path=customXml/itemProps1.xml><?xml version="1.0" encoding="utf-8"?>
+<file path=customXml/itemProps2.xml><?xml version="1.0" encoding="utf-8"?>
 <ds:datastoreItem xmlns:ds="http://schemas.openxmlformats.org/officeDocument/2006/customXml" ds:itemID="{613B5A8C-C2D2-4C49-A03B-B41437F9A3AD}">
   <ds:schemaRefs>
     <ds:schemaRef ds:uri="http://purl.org/dc/terms/"/>
@@ -25443,7 +25711,7 @@
 </ds:datastoreItem>
 </file>
 
-<file path=customXml/itemProps2.xml><?xml version="1.0" encoding="utf-8"?>
+<file path=customXml/itemProps3.xml><?xml version="1.0" encoding="utf-8"?>
 <ds:datastoreItem xmlns:ds="http://schemas.openxmlformats.org/officeDocument/2006/customXml" ds:itemID="{AB95EE2B-0C44-41FE-9150-06CCD6E300BB}">
   <ds:schemaRefs>
     <ds:schemaRef ds:uri="http://schemas.microsoft.com/office/2006/metadata/contentType"/>
@@ -25460,12 +25728,4 @@
     <ds:schemaRef ds:uri="http://schemas.microsoft.com/internal/obd"/>
   </ds:schemaRefs>
 </ds:datastoreItem>
-</file>
-
-<file path=customXml/itemProps3.xml><?xml version="1.0" encoding="utf-8"?>
-<ds:datastoreItem xmlns:ds="http://schemas.openxmlformats.org/officeDocument/2006/customXml" ds:itemID="{6130639F-8A0E-4631-BB2C-1307E9C18413}">
-  <ds:schemaRefs>
-    <ds:schemaRef ds:uri="http://schemas.microsoft.com/sharepoint/v3/contenttype/forms"/>
-  </ds:schemaRefs>
-</ds:datastoreItem>
 </file>
--- a/src/pages/events/2025-03-12/slides/01_basics_ja.pptx
+++ b/src/pages/events/2025-03-12/slides/01_basics_ja.pptx
@@ -5,7 +5,7 @@
     <p:sldMasterId id="2147483648" r:id="rId4"/>
   </p:sldMasterIdLst>
   <p:notesMasterIdLst>
-    <p:notesMasterId r:id="rId42"/>
+    <p:notesMasterId r:id="rId43"/>
   </p:notesMasterIdLst>
   <p:sldIdLst>
     <p:sldId id="256" r:id="rId5"/>
@@ -43,8 +43,9 @@
     <p:sldId id="1391" r:id="rId37"/>
     <p:sldId id="1392" r:id="rId38"/>
     <p:sldId id="1393" r:id="rId39"/>
-    <p:sldId id="1410" r:id="rId40"/>
-    <p:sldId id="1366" r:id="rId41"/>
+    <p:sldId id="1412" r:id="rId40"/>
+    <p:sldId id="1410" r:id="rId41"/>
+    <p:sldId id="1366" r:id="rId42"/>
   </p:sldIdLst>
   <p:sldSz cx="12192000" cy="6858000"/>
   <p:notesSz cx="6858000" cy="9144000"/>
@@ -1538,7 +1539,7 @@
           <a:p>
             <a:fld id="{CB1A4338-2B97-43C1-AE79-82EAB43E70B8}" type="datetimeFigureOut">
               <a:rPr kumimoji="1" lang="ja-JP" altLang="en-US" smtClean="0"/>
-              <a:t>2025/3/11</a:t>
+              <a:t>2025/3/12</a:t>
             </a:fld>
             <a:endParaRPr kumimoji="1" lang="ja-JP" altLang="en-US"/>
           </a:p>
@@ -2322,7 +2323,7 @@
           <a:p>
             <a:fld id="{4B872FE4-D4FB-41CC-911D-1A8538F305AC}" type="slidenum">
               <a:rPr kumimoji="1" lang="ja-JP" altLang="en-US" smtClean="0"/>
-              <a:t>37</a:t>
+              <a:t>38</a:t>
             </a:fld>
             <a:endParaRPr kumimoji="1" lang="ja-JP" altLang="en-US"/>
           </a:p>
@@ -2561,7 +2562,7 @@
             </a:r>
             <a:r>
               <a:rPr kumimoji="1" lang="ja-JP" altLang="en-US"/>
-              <a:t>セメスタ</a:t>
+              <a:t>セメスター</a:t>
             </a:r>
             <a:r>
               <a:rPr kumimoji="1" lang="en-US" altLang="ja-JP"/>
@@ -2859,7 +2860,7 @@
             </a:r>
             <a:r>
               <a:rPr kumimoji="1" lang="ja-JP" altLang="en-US"/>
-              <a:t>セメスタ</a:t>
+              <a:t>セメスター</a:t>
             </a:r>
             <a:r>
               <a:rPr kumimoji="1" lang="en-US" altLang="ja-JP"/>
@@ -3017,7 +3018,7 @@
             </a:r>
             <a:r>
               <a:rPr kumimoji="1" lang="ja-JP" altLang="en-US"/>
-              <a:t>セメスタ</a:t>
+              <a:t>セメスター</a:t>
             </a:r>
             <a:r>
               <a:rPr kumimoji="1" lang="en-US" altLang="ja-JP"/>
@@ -3363,7 +3364,7 @@
             </a:r>
             <a:r>
               <a:rPr kumimoji="1" lang="ja-JP" altLang="en-US"/>
-              <a:t>セメスタ</a:t>
+              <a:t>セメスター</a:t>
             </a:r>
             <a:r>
               <a:rPr kumimoji="1" lang="en-US" altLang="ja-JP"/>
@@ -3491,7 +3492,7 @@
             </a:r>
             <a:r>
               <a:rPr kumimoji="1" lang="ja-JP" altLang="en-US"/>
-              <a:t>セメスタ</a:t>
+              <a:t>セメスター</a:t>
             </a:r>
             <a:r>
               <a:rPr kumimoji="1" lang="en-US" altLang="ja-JP"/>
@@ -3825,7 +3826,7 @@
             </a:r>
             <a:r>
               <a:rPr lang="ja-JP" altLang="en-US"/>
-              <a:t>セメスタ</a:t>
+              <a:t>セメスター</a:t>
             </a:r>
             <a:r>
               <a:rPr lang="en-US" altLang="ja-JP"/>
@@ -5115,7 +5116,7 @@
             </a:r>
             <a:r>
               <a:rPr kumimoji="1" lang="ja-JP" altLang="en-US"/>
-              <a:t>セメスタ</a:t>
+              <a:t>セメスター</a:t>
             </a:r>
             <a:r>
               <a:rPr kumimoji="1" lang="en-US" altLang="ja-JP"/>
@@ -5712,7 +5713,7 @@
                   <a:schemeClr val="accent6"/>
                 </a:solidFill>
               </a:rPr>
-              <a:t>〝</a:t>
+              <a:t>“</a:t>
             </a:r>
             <a:r>
               <a:rPr lang="ja-JP" altLang="en-US" dirty="0">
@@ -5720,7 +5721,7 @@
                   <a:schemeClr val="accent6"/>
                 </a:solidFill>
               </a:rPr>
-              <a:t>あなたの</a:t>
+              <a:t>〇〇さん、</a:t>
             </a:r>
             <a:r>
               <a:rPr lang="en-US" altLang="ja-JP" dirty="0">
@@ -5736,7 +5737,69 @@
                   <a:schemeClr val="accent6"/>
                 </a:solidFill>
               </a:rPr>
-              <a:t>桁の</a:t>
+              <a:t>桁を教えて</a:t>
+            </a:r>
+            <a:r>
+              <a:rPr lang="en-US" altLang="ja-JP" dirty="0">
+                <a:solidFill>
+                  <a:schemeClr val="accent6"/>
+                </a:solidFill>
+              </a:rPr>
+              <a:t>”</a:t>
+            </a:r>
+            <a:endParaRPr lang="en-US" altLang="ja-JP" i="1" dirty="0"/>
+          </a:p>
+          <a:p>
+            <a:pPr>
+              <a:lnSpc>
+                <a:spcPct val="100000"/>
+              </a:lnSpc>
+            </a:pPr>
+            <a:r>
+              <a:rPr lang="ja-JP" altLang="en-US" dirty="0">
+                <a:latin typeface="+mj-ea"/>
+                <a:ea typeface="+mj-ea"/>
+              </a:rPr>
+              <a:t>「共通</a:t>
+            </a:r>
+            <a:r>
+              <a:rPr lang="en-US" altLang="ja-JP" dirty="0">
+                <a:latin typeface="+mj-ea"/>
+                <a:ea typeface="+mj-ea"/>
+              </a:rPr>
+              <a:t>ID</a:t>
+            </a:r>
+            <a:r>
+              <a:rPr lang="ja-JP" altLang="en-US" dirty="0">
+                <a:latin typeface="+mj-ea"/>
+                <a:ea typeface="+mj-ea"/>
+              </a:rPr>
+              <a:t>」</a:t>
+            </a:r>
+            <a:endParaRPr lang="en-US" altLang="ja-JP" dirty="0"/>
+          </a:p>
+          <a:p>
+            <a:pPr marL="457200" lvl="1" indent="0">
+              <a:lnSpc>
+                <a:spcPct val="100000"/>
+              </a:lnSpc>
+              <a:buNone/>
+            </a:pPr>
+            <a:r>
+              <a:rPr lang="en-US" altLang="ja-JP" dirty="0">
+                <a:solidFill>
+                  <a:schemeClr val="accent6"/>
+                </a:solidFill>
+              </a:rPr>
+              <a:t>“</a:t>
+            </a:r>
+            <a:r>
+              <a:rPr lang="ja-JP" altLang="en-US" dirty="0">
+                <a:solidFill>
+                  <a:schemeClr val="accent6"/>
+                </a:solidFill>
+              </a:rPr>
+              <a:t>共通</a:t>
             </a:r>
             <a:r>
               <a:rPr lang="en-US" altLang="ja-JP" dirty="0">
@@ -5752,7 +5815,7 @@
                   <a:schemeClr val="accent6"/>
                 </a:solidFill>
               </a:rPr>
-              <a:t>，何番？</a:t>
+              <a:t>を教えてください</a:t>
             </a:r>
             <a:r>
               <a:rPr lang="en-US" altLang="ja-JP" dirty="0">
@@ -5760,9 +5823,13 @@
                   <a:schemeClr val="accent6"/>
                 </a:solidFill>
               </a:rPr>
-              <a:t>〟</a:t>
-            </a:r>
-            <a:endParaRPr lang="en-US" altLang="ja-JP" i="1" dirty="0"/>
+              <a:t>”</a:t>
+            </a:r>
+            <a:endParaRPr lang="en-US" altLang="ja-JP" i="1" dirty="0">
+              <a:solidFill>
+                <a:schemeClr val="accent6"/>
+              </a:solidFill>
+            </a:endParaRPr>
           </a:p>
           <a:p>
             <a:pPr>
@@ -5771,27 +5838,30 @@
               </a:lnSpc>
             </a:pPr>
             <a:r>
-              <a:rPr lang="ja-JP" altLang="en-US" dirty="0">
-                <a:latin typeface="+mj-ea"/>
-                <a:ea typeface="+mj-ea"/>
+              <a:rPr lang="ja-JP" altLang="en-US" dirty="0"/>
+              <a:t>「</a:t>
+            </a:r>
+            <a:r>
+              <a:rPr lang="en-US" altLang="ja-JP" dirty="0" err="1"/>
+              <a:t>utac</a:t>
+            </a:r>
+            <a:r>
+              <a:rPr lang="ja-JP" altLang="en-US" dirty="0"/>
+              <a:t>」</a:t>
+            </a:r>
+            <a:r>
+              <a:rPr lang="en-US" altLang="ja-JP" dirty="0"/>
+              <a:t> </a:t>
+            </a:r>
+            <a:r>
+              <a:rPr lang="ja-JP" altLang="en-US" sz="2000" dirty="0">
+                <a:latin typeface="+mj-lt"/>
               </a:rPr>
-              <a:t>「共通</a:t>
-            </a:r>
-            <a:r>
-              <a:rPr lang="en-US" altLang="ja-JP" dirty="0">
-                <a:latin typeface="+mj-ea"/>
-                <a:ea typeface="+mj-ea"/>
-              </a:rPr>
-              <a:t>ID</a:t>
-            </a:r>
-            <a:r>
-              <a:rPr lang="ja-JP" altLang="en-US" dirty="0">
-                <a:latin typeface="+mj-ea"/>
-                <a:ea typeface="+mj-ea"/>
-              </a:rPr>
-              <a:t>」</a:t>
-            </a:r>
-            <a:endParaRPr lang="en-US" altLang="ja-JP" dirty="0"/>
+              <a:t>ユータック または ユーティーエーシー</a:t>
+            </a:r>
+            <a:endParaRPr lang="en-US" altLang="ja-JP" sz="2000" dirty="0">
+              <a:latin typeface="+mj-lt"/>
+            </a:endParaRPr>
           </a:p>
           <a:p>
             <a:pPr marL="457200" lvl="1" indent="0">
@@ -5801,91 +5871,6 @@
               <a:buNone/>
             </a:pPr>
             <a:r>
-              <a:rPr lang="en-US" altLang="ja-JP" dirty="0">
-                <a:solidFill>
-                  <a:schemeClr val="accent6"/>
-                </a:solidFill>
-              </a:rPr>
-              <a:t>〝</a:t>
-            </a:r>
-            <a:r>
-              <a:rPr lang="ja-JP" altLang="en-US" dirty="0">
-                <a:solidFill>
-                  <a:schemeClr val="accent6"/>
-                </a:solidFill>
-              </a:rPr>
-              <a:t>あなたの共通</a:t>
-            </a:r>
-            <a:r>
-              <a:rPr lang="en-US" altLang="ja-JP" dirty="0">
-                <a:solidFill>
-                  <a:schemeClr val="accent6"/>
-                </a:solidFill>
-              </a:rPr>
-              <a:t>ID</a:t>
-            </a:r>
-            <a:r>
-              <a:rPr lang="ja-JP" altLang="en-US" dirty="0">
-                <a:solidFill>
-                  <a:schemeClr val="accent6"/>
-                </a:solidFill>
-              </a:rPr>
-              <a:t>を教えてください</a:t>
-            </a:r>
-            <a:r>
-              <a:rPr lang="en-US" altLang="ja-JP" dirty="0">
-                <a:solidFill>
-                  <a:schemeClr val="accent6"/>
-                </a:solidFill>
-              </a:rPr>
-              <a:t>〟</a:t>
-            </a:r>
-            <a:endParaRPr lang="en-US" altLang="ja-JP" i="1" dirty="0">
-              <a:solidFill>
-                <a:schemeClr val="accent6"/>
-              </a:solidFill>
-            </a:endParaRPr>
-          </a:p>
-          <a:p>
-            <a:pPr>
-              <a:lnSpc>
-                <a:spcPct val="100000"/>
-              </a:lnSpc>
-            </a:pPr>
-            <a:r>
-              <a:rPr lang="ja-JP" altLang="en-US" dirty="0"/>
-              <a:t>「</a:t>
-            </a:r>
-            <a:r>
-              <a:rPr lang="en-US" altLang="ja-JP" dirty="0" err="1"/>
-              <a:t>utac</a:t>
-            </a:r>
-            <a:r>
-              <a:rPr lang="ja-JP" altLang="en-US" dirty="0"/>
-              <a:t>」</a:t>
-            </a:r>
-            <a:r>
-              <a:rPr lang="en-US" altLang="ja-JP" dirty="0"/>
-              <a:t> </a:t>
-            </a:r>
-            <a:r>
-              <a:rPr lang="ja-JP" altLang="en-US" sz="2000" dirty="0">
-                <a:latin typeface="+mj-lt"/>
-              </a:rPr>
-              <a:t>ユータック または ユーティーエーシー</a:t>
-            </a:r>
-            <a:endParaRPr lang="en-US" altLang="ja-JP" sz="2000" dirty="0">
-              <a:latin typeface="+mj-lt"/>
-            </a:endParaRPr>
-          </a:p>
-          <a:p>
-            <a:pPr marL="457200" lvl="1" indent="0">
-              <a:lnSpc>
-                <a:spcPct val="100000"/>
-              </a:lnSpc>
-              <a:buNone/>
-            </a:pPr>
-            <a:r>
               <a:rPr lang="ja-JP" altLang="en-US" dirty="0"/>
               <a:t>　公式な略称だが，あまり広くは使われていない</a:t>
             </a:r>
@@ -5960,7 +5945,7 @@
             </a:r>
             <a:r>
               <a:rPr kumimoji="1" lang="ja-JP" altLang="en-US"/>
-              <a:t>セメスタ</a:t>
+              <a:t>セメスター</a:t>
             </a:r>
             <a:r>
               <a:rPr kumimoji="1" lang="en-US" altLang="ja-JP"/>
@@ -6278,7 +6263,7 @@
             </a:r>
             <a:r>
               <a:rPr kumimoji="1" lang="ja-JP" altLang="en-US"/>
-              <a:t>セメスタ</a:t>
+              <a:t>セメスター</a:t>
             </a:r>
             <a:r>
               <a:rPr kumimoji="1" lang="en-US" altLang="ja-JP"/>
@@ -6747,7 +6732,7 @@
             </a:r>
             <a:r>
               <a:rPr kumimoji="1" lang="ja-JP" altLang="en-US"/>
-              <a:t>セメスタ</a:t>
+              <a:t>セメスター</a:t>
             </a:r>
             <a:r>
               <a:rPr kumimoji="1" lang="en-US" altLang="ja-JP"/>
@@ -7479,7 +7464,7 @@
             </a:r>
             <a:r>
               <a:rPr kumimoji="1" lang="ja-JP" altLang="en-US"/>
-              <a:t>セメスタ</a:t>
+              <a:t>セメスター</a:t>
             </a:r>
             <a:r>
               <a:rPr kumimoji="1" lang="en-US" altLang="ja-JP"/>
@@ -8002,7 +7987,7 @@
             </a:r>
             <a:r>
               <a:rPr kumimoji="1" lang="ja-JP" altLang="en-US"/>
-              <a:t>セメスタ</a:t>
+              <a:t>セメスター</a:t>
             </a:r>
             <a:r>
               <a:rPr kumimoji="1" lang="en-US" altLang="ja-JP"/>
@@ -8795,7 +8780,7 @@
             </a:r>
             <a:r>
               <a:rPr kumimoji="1" lang="ja-JP" altLang="en-US"/>
-              <a:t>セメスタ</a:t>
+              <a:t>セメスター</a:t>
             </a:r>
             <a:r>
               <a:rPr kumimoji="1" lang="en-US" altLang="ja-JP"/>
@@ -9104,7 +9089,7 @@
             </a:r>
             <a:r>
               <a:rPr kumimoji="1" lang="ja-JP" altLang="en-US"/>
-              <a:t>セメスタ</a:t>
+              <a:t>セメスター</a:t>
             </a:r>
             <a:r>
               <a:rPr kumimoji="1" lang="en-US" altLang="ja-JP"/>
@@ -9254,7 +9239,7 @@
         <p:spPr>
           <a:xfrm>
             <a:off x="187811" y="5952625"/>
-            <a:ext cx="8767272" cy="523220"/>
+            <a:ext cx="12357998" cy="523220"/>
           </a:xfrm>
           <a:prstGeom prst="rect">
             <a:avLst/>
@@ -9277,7 +9262,7 @@
             </a:r>
             <a:r>
               <a:rPr lang="ja-JP" altLang="en-US" sz="1400" dirty="0"/>
-              <a:t>動画が再生されます．</a:t>
+              <a:t>動画が再生されます．ページの見た目が一部現在と異なります．</a:t>
             </a:r>
             <a:endParaRPr kumimoji="1" lang="en-US" altLang="ja-JP" sz="1400" dirty="0"/>
           </a:p>
@@ -9437,7 +9422,7 @@
             </a:r>
             <a:r>
               <a:rPr kumimoji="1" lang="ja-JP" altLang="en-US"/>
-              <a:t>セメスタ</a:t>
+              <a:t>セメスター</a:t>
             </a:r>
             <a:r>
               <a:rPr kumimoji="1" lang="en-US" altLang="ja-JP"/>
@@ -10113,7 +10098,7 @@
             </a:r>
             <a:r>
               <a:rPr kumimoji="1" lang="ja-JP" altLang="en-US"/>
-              <a:t>セメスタ</a:t>
+              <a:t>セメスター</a:t>
             </a:r>
             <a:r>
               <a:rPr kumimoji="1" lang="en-US" altLang="ja-JP"/>
@@ -10324,7 +10309,7 @@
             </a:r>
             <a:r>
               <a:rPr kumimoji="1" lang="ja-JP" altLang="en-US"/>
-              <a:t>セメスタ</a:t>
+              <a:t>セメスター</a:t>
             </a:r>
             <a:r>
               <a:rPr kumimoji="1" lang="en-US" altLang="ja-JP"/>
@@ -11978,7 +11963,7 @@
             </a:r>
             <a:r>
               <a:rPr kumimoji="1" lang="ja-JP" altLang="en-US"/>
-              <a:t>セメスタ</a:t>
+              <a:t>セメスター</a:t>
             </a:r>
             <a:r>
               <a:rPr kumimoji="1" lang="en-US" altLang="ja-JP"/>
@@ -12395,7 +12380,7 @@
             </a:r>
             <a:r>
               <a:rPr kumimoji="1" lang="ja-JP" altLang="en-US"/>
-              <a:t>セメスタ</a:t>
+              <a:t>セメスター</a:t>
             </a:r>
             <a:r>
               <a:rPr kumimoji="1" lang="en-US" altLang="ja-JP"/>
@@ -12594,7 +12579,7 @@
             </a:r>
             <a:r>
               <a:rPr kumimoji="1" lang="ja-JP" altLang="en-US"/>
-              <a:t>セメスタ</a:t>
+              <a:t>セメスター</a:t>
             </a:r>
             <a:r>
               <a:rPr kumimoji="1" lang="en-US" altLang="ja-JP"/>
@@ -12705,7 +12690,7 @@
         <p:spPr>
           <a:xfrm>
             <a:off x="187811" y="5952625"/>
-            <a:ext cx="8767272" cy="523220"/>
+            <a:ext cx="12178462" cy="523220"/>
           </a:xfrm>
           <a:prstGeom prst="rect">
             <a:avLst/>
@@ -12728,7 +12713,7 @@
             </a:r>
             <a:r>
               <a:rPr lang="ja-JP" altLang="en-US" sz="1400" dirty="0"/>
-              <a:t>動画が再生されます．</a:t>
+              <a:t>動画が再生されます．ページの見た目が一部現在と異なります．</a:t>
             </a:r>
             <a:endParaRPr kumimoji="1" lang="en-US" altLang="ja-JP" sz="1400" dirty="0"/>
           </a:p>
@@ -12915,7 +12900,7 @@
             </a:r>
             <a:r>
               <a:rPr kumimoji="1" lang="ja-JP" altLang="en-US"/>
-              <a:t>セメスタ</a:t>
+              <a:t>セメスター</a:t>
             </a:r>
             <a:r>
               <a:rPr kumimoji="1" lang="en-US" altLang="ja-JP"/>
@@ -13026,7 +13011,7 @@
         <p:spPr>
           <a:xfrm>
             <a:off x="187811" y="5952625"/>
-            <a:ext cx="8767272" cy="523220"/>
+            <a:ext cx="12178462" cy="523220"/>
           </a:xfrm>
           <a:prstGeom prst="rect">
             <a:avLst/>
@@ -13049,7 +13034,7 @@
             </a:r>
             <a:r>
               <a:rPr lang="ja-JP" altLang="en-US" sz="1400" dirty="0"/>
-              <a:t>動画が再生されます．</a:t>
+              <a:t>動画が再生されます．ページの見た目が一部現在と異なります．</a:t>
             </a:r>
             <a:endParaRPr kumimoji="1" lang="en-US" altLang="ja-JP" sz="1400" dirty="0"/>
           </a:p>
@@ -13220,7 +13205,7 @@
             </a:r>
             <a:r>
               <a:rPr kumimoji="1" lang="ja-JP" altLang="en-US"/>
-              <a:t>セメスタ</a:t>
+              <a:t>セメスター</a:t>
             </a:r>
             <a:r>
               <a:rPr kumimoji="1" lang="en-US" altLang="ja-JP"/>
@@ -13331,7 +13316,7 @@
         <p:spPr>
           <a:xfrm>
             <a:off x="187811" y="5952625"/>
-            <a:ext cx="8767272" cy="523220"/>
+            <a:ext cx="12178462" cy="523220"/>
           </a:xfrm>
           <a:prstGeom prst="rect">
             <a:avLst/>
@@ -13354,7 +13339,7 @@
             </a:r>
             <a:r>
               <a:rPr lang="ja-JP" altLang="en-US" sz="1400" dirty="0"/>
-              <a:t>動画が再生されます．</a:t>
+              <a:t>動画が再生されます．ページの見た目が一部現在と異なります．</a:t>
             </a:r>
             <a:endParaRPr kumimoji="1" lang="en-US" altLang="ja-JP" sz="1400" dirty="0"/>
           </a:p>
@@ -13531,7 +13516,7 @@
             </a:r>
             <a:r>
               <a:rPr kumimoji="1" lang="ja-JP" altLang="en-US"/>
-              <a:t>セメスタ</a:t>
+              <a:t>セメスター</a:t>
             </a:r>
             <a:r>
               <a:rPr kumimoji="1" lang="en-US" altLang="ja-JP"/>
@@ -13642,7 +13627,7 @@
         <p:spPr>
           <a:xfrm>
             <a:off x="187811" y="5952625"/>
-            <a:ext cx="8767272" cy="523220"/>
+            <a:ext cx="12178462" cy="523220"/>
           </a:xfrm>
           <a:prstGeom prst="rect">
             <a:avLst/>
@@ -13665,7 +13650,7 @@
             </a:r>
             <a:r>
               <a:rPr lang="ja-JP" altLang="en-US" sz="1400" dirty="0"/>
-              <a:t>動画が再生されます．</a:t>
+              <a:t>動画が再生されます．ページの見た目が一部現在と異なります．</a:t>
             </a:r>
             <a:endParaRPr kumimoji="1" lang="en-US" altLang="ja-JP" sz="1400" dirty="0"/>
           </a:p>
@@ -14079,7 +14064,7 @@
             </a:r>
             <a:r>
               <a:rPr kumimoji="1" lang="ja-JP" altLang="en-US"/>
-              <a:t>セメスタ</a:t>
+              <a:t>セメスター</a:t>
             </a:r>
             <a:r>
               <a:rPr kumimoji="1" lang="en-US" altLang="ja-JP"/>
@@ -14391,7 +14376,7 @@
             </a:r>
             <a:r>
               <a:rPr kumimoji="1" lang="ja-JP" altLang="en-US"/>
-              <a:t>セメスタ</a:t>
+              <a:t>セメスター</a:t>
             </a:r>
             <a:r>
               <a:rPr kumimoji="1" lang="en-US" altLang="ja-JP"/>
@@ -14790,7 +14775,15 @@
             </a:pPr>
             <a:r>
               <a:rPr kumimoji="1" lang="ja-JP" altLang="en-US" dirty="0"/>
-              <a:t>多要素認証の設定は必須。設定するか上記サービスを使わないかの</a:t>
+              <a:t>多要素認証の設定は必須</a:t>
+            </a:r>
+            <a:r>
+              <a:rPr lang="ja-JP" altLang="en-US" dirty="0"/>
+              <a:t>．</a:t>
+            </a:r>
+            <a:r>
+              <a:rPr kumimoji="1" lang="ja-JP" altLang="en-US" dirty="0"/>
+              <a:t>設定するか上記サービスを使わないかの</a:t>
             </a:r>
             <a:r>
               <a:rPr kumimoji="1" lang="ja-JP" altLang="en-US" b="1" dirty="0">
@@ -14798,7 +14791,7 @@
                   <a:srgbClr val="FF0000"/>
                 </a:solidFill>
               </a:rPr>
-              <a:t>どちらかを選ぶ、ということではありません</a:t>
+              <a:t>選択、ということではありません</a:t>
             </a:r>
             <a:endParaRPr kumimoji="1" lang="en-US" altLang="ja-JP" b="1" dirty="0">
               <a:solidFill>
@@ -14872,7 +14865,7 @@
             </a:r>
             <a:r>
               <a:rPr kumimoji="1" lang="ja-JP" altLang="en-US"/>
-              <a:t>セメスタ</a:t>
+              <a:t>セメスター</a:t>
             </a:r>
             <a:r>
               <a:rPr kumimoji="1" lang="en-US" altLang="ja-JP"/>
@@ -15190,7 +15183,7 @@
             </a:r>
             <a:r>
               <a:rPr kumimoji="1" lang="ja-JP" altLang="en-US"/>
-              <a:t>セメスタ</a:t>
+              <a:t>セメスター</a:t>
             </a:r>
             <a:r>
               <a:rPr kumimoji="1" lang="en-US" altLang="ja-JP"/>
@@ -15688,7 +15681,7 @@
             </a:r>
             <a:r>
               <a:rPr kumimoji="1" lang="ja-JP" altLang="en-US"/>
-              <a:t>セメスタ</a:t>
+              <a:t>セメスター</a:t>
             </a:r>
             <a:r>
               <a:rPr kumimoji="1" lang="en-US" altLang="ja-JP"/>
@@ -18073,7 +18066,7 @@
                   <a:srgbClr val="FF0000"/>
                 </a:solidFill>
               </a:rPr>
-              <a:t>どちらかを選ぶということではありません</a:t>
+              <a:t>選択、ということではありません</a:t>
             </a:r>
             <a:endParaRPr kumimoji="1" lang="en-US" altLang="ja-JP" b="1" dirty="0">
               <a:solidFill>
@@ -18139,7 +18132,7 @@
             </a:r>
             <a:r>
               <a:rPr kumimoji="1" lang="ja-JP" altLang="en-US"/>
-              <a:t>セメスタ</a:t>
+              <a:t>セメスター</a:t>
             </a:r>
             <a:r>
               <a:rPr kumimoji="1" lang="en-US" altLang="ja-JP"/>
@@ -18588,7 +18581,7 @@
             </a:r>
             <a:r>
               <a:rPr kumimoji="1" lang="ja-JP" altLang="en-US"/>
-              <a:t>セメスタ</a:t>
+              <a:t>セメスター</a:t>
             </a:r>
             <a:r>
               <a:rPr kumimoji="1" lang="en-US" altLang="ja-JP"/>
@@ -19027,12 +19020,12 @@
           <a:lstStyle/>
           <a:p>
             <a:r>
-              <a:rPr lang="en-US" altLang="ja-JP" dirty="0" err="1"/>
-              <a:t>UTokyo</a:t>
-            </a:r>
-            <a:r>
               <a:rPr lang="en-US" altLang="ja-JP" dirty="0"/>
-              <a:t> Wi-Fi</a:t>
+              <a:t>UTokyo Wi-Fi </a:t>
+            </a:r>
+            <a:r>
+              <a:rPr lang="ja-JP" altLang="en-US" dirty="0"/>
+              <a:t>とは</a:t>
             </a:r>
             <a:endParaRPr kumimoji="1" lang="ja-JP" altLang="en-US" dirty="0"/>
           </a:p>
@@ -19070,27 +19063,6 @@
               <a:buNone/>
             </a:pPr>
             <a:r>
-              <a:rPr lang="en-US" altLang="ja-JP" sz="3600" b="1" dirty="0" err="1">
-                <a:solidFill>
-                  <a:srgbClr val="155F90"/>
-                </a:solidFill>
-              </a:rPr>
-              <a:t>UTokyo</a:t>
-            </a:r>
-            <a:r>
-              <a:rPr lang="en-US" altLang="ja-JP" sz="3600" b="1" dirty="0">
-                <a:solidFill>
-                  <a:srgbClr val="155F90"/>
-                </a:solidFill>
-              </a:rPr>
-              <a:t> Wi-Fi</a:t>
-            </a:r>
-          </a:p>
-          <a:p>
-            <a:pPr marL="0" indent="0">
-              <a:buNone/>
-            </a:pPr>
-            <a:r>
               <a:rPr lang="ja-JP" altLang="en-US" dirty="0"/>
               <a:t>キャンパス内のほとんどの場所で利用できる構内 </a:t>
             </a:r>
@@ -19112,12 +19084,8 @@
           </a:p>
           <a:p>
             <a:r>
-              <a:rPr lang="en-US" altLang="ja-JP" dirty="0" err="1"/>
-              <a:t>Utokyo</a:t>
-            </a:r>
-            <a:r>
               <a:rPr lang="en-US" altLang="ja-JP" dirty="0"/>
-              <a:t> Wi-Fi </a:t>
+              <a:t>UTokyo Wi-Fi </a:t>
             </a:r>
             <a:r>
               <a:rPr lang="ja-JP" altLang="en-US" dirty="0"/>
@@ -19209,7 +19177,7 @@
             </a:r>
             <a:r>
               <a:rPr kumimoji="1" lang="ja-JP" altLang="en-US"/>
-              <a:t>セメスタ</a:t>
+              <a:t>セメスター</a:t>
             </a:r>
             <a:r>
               <a:rPr kumimoji="1" lang="en-US" altLang="ja-JP"/>
@@ -19479,7 +19447,7 @@
             </a:r>
             <a:r>
               <a:rPr kumimoji="1" lang="ja-JP" altLang="en-US"/>
-              <a:t>セメスタ</a:t>
+              <a:t>セメスター</a:t>
             </a:r>
             <a:r>
               <a:rPr kumimoji="1" lang="en-US" altLang="ja-JP"/>
@@ -20094,7 +20062,7 @@
             </a:r>
             <a:r>
               <a:rPr kumimoji="1" lang="ja-JP" altLang="en-US"/>
-              <a:t>セメスタ</a:t>
+              <a:t>セメスター</a:t>
             </a:r>
             <a:r>
               <a:rPr kumimoji="1" lang="en-US" altLang="ja-JP"/>
@@ -20208,13 +20176,39 @@
               </a:lnSpc>
             </a:pPr>
             <a:r>
+              <a:rPr kumimoji="1" lang="ja-JP" altLang="en-US" dirty="0"/>
+              <a:t>接続方法の詳細は機種や型番によっても異なります</a:t>
+            </a:r>
+            <a:r>
               <a:rPr lang="ja-JP" altLang="en-US" dirty="0"/>
-              <a:t>セキュリティ：</a:t>
-            </a:r>
-            <a:r>
+              <a:t>ので，</a:t>
+            </a:r>
+            <a:br>
               <a:rPr lang="en-US" altLang="ja-JP" dirty="0"/>
-              <a:t>WPA2 Enterprise</a:t>
-            </a:r>
+            </a:br>
+            <a:r>
+              <a:rPr kumimoji="1" lang="ja-JP" altLang="en-US" dirty="0"/>
+              <a:t>詳細は</a:t>
+            </a:r>
+            <a:r>
+              <a:rPr kumimoji="1" lang="en-US" altLang="ja-JP" dirty="0"/>
+              <a:t> </a:t>
+            </a:r>
+            <a:r>
+              <a:rPr kumimoji="1" lang="en-US" altLang="ja-JP" dirty="0" err="1">
+                <a:hlinkClick r:id="rId2"/>
+              </a:rPr>
+              <a:t>utelecon</a:t>
+            </a:r>
+            <a:r>
+              <a:rPr kumimoji="1" lang="en-US" altLang="ja-JP" dirty="0"/>
+              <a:t> </a:t>
+            </a:r>
+            <a:r>
+              <a:rPr kumimoji="1" lang="ja-JP" altLang="en-US" dirty="0"/>
+              <a:t>を参照してください</a:t>
+            </a:r>
+            <a:endParaRPr kumimoji="1" lang="en-US" altLang="ja-JP" dirty="0"/>
           </a:p>
           <a:p>
             <a:pPr lvl="1">
@@ -20223,10 +20217,14 @@
               </a:lnSpc>
             </a:pPr>
             <a:r>
-              <a:rPr lang="ja-JP" altLang="en-US" dirty="0"/>
-              <a:t>メールで通知されたユーザー名とパスワードで接続できます</a:t>
-            </a:r>
-            <a:endParaRPr lang="en-US" altLang="ja-JP" dirty="0"/>
+              <a:rPr kumimoji="1" lang="en-US" altLang="ja-JP" dirty="0"/>
+              <a:t>Windows, Mac, Android, iPhone, iPad </a:t>
+            </a:r>
+            <a:r>
+              <a:rPr kumimoji="1" lang="ja-JP" altLang="en-US" dirty="0"/>
+              <a:t>など</a:t>
+            </a:r>
+            <a:endParaRPr kumimoji="1" lang="en-US" altLang="ja-JP" dirty="0"/>
           </a:p>
           <a:p>
             <a:pPr>
@@ -20235,39 +20233,10 @@
               </a:lnSpc>
             </a:pPr>
             <a:r>
-              <a:rPr kumimoji="1" lang="ja-JP" altLang="en-US" dirty="0"/>
-              <a:t>接続方法の詳細は機種や型番によって異なります</a:t>
-            </a:r>
-            <a:r>
               <a:rPr lang="ja-JP" altLang="en-US" dirty="0"/>
-              <a:t>ので，</a:t>
-            </a:r>
-            <a:br>
-              <a:rPr lang="en-US" altLang="ja-JP" dirty="0"/>
-            </a:br>
-            <a:r>
-              <a:rPr kumimoji="1" lang="ja-JP" altLang="en-US" dirty="0"/>
-              <a:t>詳細は</a:t>
-            </a:r>
-            <a:r>
-              <a:rPr kumimoji="1" lang="en-US" altLang="ja-JP" dirty="0"/>
-              <a:t> </a:t>
-            </a:r>
-            <a:r>
-              <a:rPr kumimoji="1" lang="en-US" altLang="ja-JP" dirty="0" err="1">
-                <a:hlinkClick r:id="rId2"/>
-              </a:rPr>
-              <a:t>utelecon</a:t>
-            </a:r>
-            <a:r>
-              <a:rPr kumimoji="1" lang="en-US" altLang="ja-JP" dirty="0"/>
-              <a:t> </a:t>
-            </a:r>
-            <a:r>
-              <a:rPr kumimoji="1" lang="ja-JP" altLang="en-US" dirty="0"/>
-              <a:t>を参照してください</a:t>
-            </a:r>
-            <a:endParaRPr kumimoji="1" lang="en-US" altLang="ja-JP" dirty="0"/>
+              <a:t>要約</a:t>
+            </a:r>
+            <a:endParaRPr lang="en-US" altLang="ja-JP" dirty="0"/>
           </a:p>
           <a:p>
             <a:pPr lvl="1">
@@ -20276,13 +20245,55 @@
               </a:lnSpc>
             </a:pPr>
             <a:r>
-              <a:rPr kumimoji="1" lang="en-US" altLang="ja-JP" dirty="0"/>
-              <a:t>Windows, Mac, Android, iPhone, iPad </a:t>
-            </a:r>
-            <a:r>
-              <a:rPr kumimoji="1" lang="ja-JP" altLang="en-US" dirty="0"/>
-              <a:t>など</a:t>
-            </a:r>
+              <a:rPr lang="ja-JP" altLang="en-US" dirty="0"/>
+              <a:t>セキュリティ：</a:t>
+            </a:r>
+            <a:r>
+              <a:rPr lang="en-US" altLang="ja-JP" b="1" dirty="0">
+                <a:solidFill>
+                  <a:srgbClr val="155F90"/>
+                </a:solidFill>
+              </a:rPr>
+              <a:t>WPA2 Enterprise</a:t>
+            </a:r>
+          </a:p>
+          <a:p>
+            <a:pPr lvl="1">
+              <a:lnSpc>
+                <a:spcPct val="100000"/>
+              </a:lnSpc>
+            </a:pPr>
+            <a:r>
+              <a:rPr lang="ja-JP" altLang="en-US" dirty="0"/>
+              <a:t>認証：</a:t>
+            </a:r>
+            <a:r>
+              <a:rPr lang="en-US" altLang="ja-JP" b="1" dirty="0">
+                <a:solidFill>
+                  <a:srgbClr val="155F90"/>
+                </a:solidFill>
+              </a:rPr>
+              <a:t>PEAP</a:t>
+            </a:r>
+          </a:p>
+          <a:p>
+            <a:pPr lvl="1">
+              <a:lnSpc>
+                <a:spcPct val="100000"/>
+              </a:lnSpc>
+            </a:pPr>
+            <a:r>
+              <a:rPr lang="ja-JP" altLang="en-US" dirty="0"/>
+              <a:t>ユーザー名とパスワード：メールで通知されたもの</a:t>
+            </a:r>
+            <a:endParaRPr lang="en-US" altLang="ja-JP" dirty="0"/>
+          </a:p>
+          <a:p>
+            <a:pPr lvl="1">
+              <a:lnSpc>
+                <a:spcPct val="100000"/>
+              </a:lnSpc>
+            </a:pPr>
             <a:endParaRPr kumimoji="1" lang="en-US" altLang="ja-JP" dirty="0"/>
           </a:p>
         </p:txBody>
@@ -20453,9 +20464,10 @@
               <a:t> </a:t>
             </a:r>
             <a:r>
-              <a:rPr kumimoji="1" lang="ja-JP" altLang="en-US" dirty="0"/>
-              <a:t>への接続</a:t>
-            </a:r>
+              <a:rPr lang="ja-JP" altLang="en-US" dirty="0"/>
+              <a:t>とは</a:t>
+            </a:r>
+            <a:endParaRPr kumimoji="1" lang="ja-JP" altLang="en-US" dirty="0"/>
           </a:p>
         </p:txBody>
       </p:sp>
@@ -20488,30 +20500,6 @@
               </a:lnSpc>
               <a:buNone/>
             </a:pPr>
-            <a:r>
-              <a:rPr lang="en-US" altLang="ja-JP" b="1" dirty="0" err="1">
-                <a:solidFill>
-                  <a:srgbClr val="155F90"/>
-                </a:solidFill>
-                <a:latin typeface="+mj-lt"/>
-              </a:rPr>
-              <a:t>eduroam</a:t>
-            </a:r>
-            <a:r>
-              <a:rPr lang="en-US" altLang="ja-JP" b="1" dirty="0">
-                <a:solidFill>
-                  <a:srgbClr val="155F90"/>
-                </a:solidFill>
-                <a:latin typeface="+mj-lt"/>
-              </a:rPr>
-              <a:t> </a:t>
-            </a:r>
-            <a:r>
-              <a:rPr lang="ja-JP" altLang="en-US" dirty="0">
-                <a:latin typeface="+mj-lt"/>
-              </a:rPr>
-              <a:t>は</a:t>
-            </a:r>
             <a:r>
               <a:rPr lang="ja-JP" altLang="en-US" b="0" i="0" dirty="0">
                 <a:solidFill>
@@ -20540,7 +20528,7 @@
                 <a:effectLst/>
                 <a:latin typeface="+mj-lt"/>
               </a:rPr>
-              <a:t>サービスです</a:t>
+              <a:t>サービス</a:t>
             </a:r>
             <a:endParaRPr lang="en-US" altLang="ja-JP" b="0" i="0" dirty="0">
               <a:solidFill>
@@ -20557,64 +20545,22 @@
               </a:lnSpc>
             </a:pPr>
             <a:r>
+              <a:rPr lang="ja-JP" altLang="en-US" dirty="0">
+                <a:hlinkClick r:id="rId2"/>
+              </a:rPr>
+              <a:t>紹介ページ</a:t>
+            </a:r>
+            <a:r>
               <a:rPr lang="ja-JP" altLang="en-US" dirty="0"/>
-              <a:t>ネットワーク名（</a:t>
+              <a:t> </a:t>
             </a:r>
             <a:r>
               <a:rPr lang="en-US" altLang="ja-JP" dirty="0"/>
-              <a:t>SSID</a:t>
-            </a:r>
-            <a:r>
-              <a:rPr lang="ja-JP" altLang="en-US" dirty="0"/>
-              <a:t>）：</a:t>
-            </a:r>
-            <a:r>
-              <a:rPr lang="en-US" altLang="ja-JP" sz="3600" b="1" dirty="0" err="1">
-                <a:solidFill>
-                  <a:srgbClr val="155F90"/>
-                </a:solidFill>
-                <a:latin typeface="Consolas" panose="020B0609020204030204" pitchFamily="49" charset="0"/>
-              </a:rPr>
-              <a:t>eduroam</a:t>
-            </a:r>
-            <a:endParaRPr lang="en-US" altLang="ja-JP" sz="3600" b="1" dirty="0">
-              <a:solidFill>
-                <a:srgbClr val="155F90"/>
-              </a:solidFill>
-              <a:latin typeface="Consolas" panose="020B0609020204030204" pitchFamily="49" charset="0"/>
-            </a:endParaRPr>
-          </a:p>
-          <a:p>
-            <a:pPr lvl="1">
-              <a:lnSpc>
-                <a:spcPct val="100000"/>
-              </a:lnSpc>
-            </a:pPr>
+              <a:t>@ </a:t>
+            </a:r>
             <a:r>
               <a:rPr lang="en-US" altLang="ja-JP" dirty="0" err="1"/>
-              <a:t>UTokyo</a:t>
-            </a:r>
-            <a:r>
-              <a:rPr lang="en-US" altLang="ja-JP" dirty="0"/>
-              <a:t> Wi-Fi </a:t>
-            </a:r>
-            <a:r>
-              <a:rPr lang="ja-JP" altLang="en-US" dirty="0"/>
-              <a:t>(</a:t>
-            </a:r>
-            <a:r>
-              <a:rPr lang="en-US" altLang="ja-JP" dirty="0">
-                <a:latin typeface="Consolas" panose="020B0609020204030204" pitchFamily="49" charset="0"/>
-              </a:rPr>
-              <a:t>0000UTokyo</a:t>
-            </a:r>
-            <a:r>
-              <a:rPr lang="en-US" altLang="ja-JP" dirty="0"/>
-              <a:t>) </a:t>
-            </a:r>
-            <a:r>
-              <a:rPr lang="ja-JP" altLang="en-US" dirty="0"/>
-              <a:t>と同じユーザー名，パスワード，設定で接続できます</a:t>
+              <a:t>utelecon</a:t>
             </a:r>
             <a:endParaRPr lang="en-US" altLang="ja-JP" dirty="0"/>
           </a:p>
@@ -20626,7 +20572,7 @@
             </a:pPr>
             <a:r>
               <a:rPr lang="ja-JP" altLang="en-US" dirty="0"/>
-              <a:t>東京大学だけでなく，多くの（ほとんどすべての）大学や高等教育機関のキャンパスで利用できます</a:t>
+              <a:t>東京大学だけでなく，他の大学や高等教育機関のキャンパスでも（多くの機関で）そのまま利用できます</a:t>
             </a:r>
             <a:endParaRPr lang="en-US" altLang="ja-JP" dirty="0"/>
           </a:p>
@@ -20712,7 +20658,7 @@
             </a:r>
             <a:r>
               <a:rPr kumimoji="1" lang="ja-JP" altLang="en-US"/>
-              <a:t>セメスタ</a:t>
+              <a:t>セメスター</a:t>
             </a:r>
             <a:r>
               <a:rPr kumimoji="1" lang="en-US" altLang="ja-JP"/>
@@ -20768,6 +20714,268 @@
 </file>
 
 <file path=ppt/slides/slide36.xml><?xml version="1.0" encoding="utf-8"?>
+<p:sld xmlns:a="http://schemas.openxmlformats.org/drawingml/2006/main" xmlns:r="http://schemas.openxmlformats.org/officeDocument/2006/relationships" xmlns:p="http://schemas.openxmlformats.org/presentationml/2006/main">
+  <p:cSld>
+    <p:spTree>
+      <p:nvGrpSpPr>
+        <p:cNvPr id="1" name="">
+          <a:extLst>
+            <a:ext uri="{FF2B5EF4-FFF2-40B4-BE49-F238E27FC236}">
+              <a16:creationId xmlns:a16="http://schemas.microsoft.com/office/drawing/2014/main" id="{293AEAAA-F851-0192-A6C9-DE07DFDC6A9E}"/>
+            </a:ext>
+          </a:extLst>
+        </p:cNvPr>
+        <p:cNvGrpSpPr/>
+        <p:nvPr/>
+      </p:nvGrpSpPr>
+      <p:grpSpPr>
+        <a:xfrm>
+          <a:off x="0" y="0"/>
+          <a:ext cx="0" cy="0"/>
+          <a:chOff x="0" y="0"/>
+          <a:chExt cx="0" cy="0"/>
+        </a:xfrm>
+      </p:grpSpPr>
+      <p:sp>
+        <p:nvSpPr>
+          <p:cNvPr id="2" name="タイトル 1">
+            <a:extLst>
+              <a:ext uri="{FF2B5EF4-FFF2-40B4-BE49-F238E27FC236}">
+                <a16:creationId xmlns:a16="http://schemas.microsoft.com/office/drawing/2014/main" id="{0AD47C63-BA1E-6469-A0B2-BDB62F9D9C0D}"/>
+              </a:ext>
+            </a:extLst>
+          </p:cNvPr>
+          <p:cNvSpPr>
+            <a:spLocks noGrp="1"/>
+          </p:cNvSpPr>
+          <p:nvPr>
+            <p:ph type="title"/>
+          </p:nvPr>
+        </p:nvSpPr>
+        <p:spPr/>
+        <p:txBody>
+          <a:bodyPr/>
+          <a:lstStyle/>
+          <a:p>
+            <a:r>
+              <a:rPr kumimoji="1" lang="en-US" altLang="ja-JP" dirty="0" err="1"/>
+              <a:t>eduroam</a:t>
+            </a:r>
+            <a:r>
+              <a:rPr kumimoji="1" lang="en-US" altLang="ja-JP" dirty="0"/>
+              <a:t> </a:t>
+            </a:r>
+            <a:r>
+              <a:rPr kumimoji="1" lang="ja-JP" altLang="en-US" dirty="0"/>
+              <a:t>への接続</a:t>
+            </a:r>
+          </a:p>
+        </p:txBody>
+      </p:sp>
+      <p:sp>
+        <p:nvSpPr>
+          <p:cNvPr id="3" name="コンテンツ プレースホルダー 2">
+            <a:extLst>
+              <a:ext uri="{FF2B5EF4-FFF2-40B4-BE49-F238E27FC236}">
+                <a16:creationId xmlns:a16="http://schemas.microsoft.com/office/drawing/2014/main" id="{65EF982C-1175-3D75-3FF8-E6E9973115D2}"/>
+              </a:ext>
+            </a:extLst>
+          </p:cNvPr>
+          <p:cNvSpPr>
+            <a:spLocks noGrp="1"/>
+          </p:cNvSpPr>
+          <p:nvPr>
+            <p:ph idx="1"/>
+          </p:nvPr>
+        </p:nvSpPr>
+        <p:spPr/>
+        <p:txBody>
+          <a:bodyPr>
+            <a:normAutofit/>
+          </a:bodyPr>
+          <a:lstStyle/>
+          <a:p>
+            <a:pPr>
+              <a:lnSpc>
+                <a:spcPct val="100000"/>
+              </a:lnSpc>
+            </a:pPr>
+            <a:r>
+              <a:rPr lang="ja-JP" altLang="en-US" dirty="0"/>
+              <a:t>ネットワーク名（</a:t>
+            </a:r>
+            <a:r>
+              <a:rPr lang="en-US" altLang="ja-JP" dirty="0"/>
+              <a:t>SSID</a:t>
+            </a:r>
+            <a:r>
+              <a:rPr lang="ja-JP" altLang="en-US" dirty="0"/>
+              <a:t>）：</a:t>
+            </a:r>
+            <a:r>
+              <a:rPr lang="en-US" altLang="ja-JP" sz="3600" b="1" dirty="0" err="1">
+                <a:solidFill>
+                  <a:srgbClr val="155F90"/>
+                </a:solidFill>
+                <a:latin typeface="Consolas" panose="020B0609020204030204" pitchFamily="49" charset="0"/>
+              </a:rPr>
+              <a:t>eduroam</a:t>
+            </a:r>
+            <a:endParaRPr lang="en-US" altLang="ja-JP" sz="3600" b="1" dirty="0">
+              <a:solidFill>
+                <a:srgbClr val="155F90"/>
+              </a:solidFill>
+              <a:latin typeface="Consolas" panose="020B0609020204030204" pitchFamily="49" charset="0"/>
+            </a:endParaRPr>
+          </a:p>
+          <a:p>
+            <a:pPr>
+              <a:lnSpc>
+                <a:spcPct val="100000"/>
+              </a:lnSpc>
+            </a:pPr>
+            <a:r>
+              <a:rPr lang="ja-JP" altLang="en-US" dirty="0"/>
+              <a:t>その他は</a:t>
+            </a:r>
+            <a:r>
+              <a:rPr lang="en-US" altLang="ja-JP" dirty="0"/>
+              <a:t>UTokyo Wi-Fi </a:t>
+            </a:r>
+            <a:r>
+              <a:rPr lang="ja-JP" altLang="en-US" dirty="0"/>
+              <a:t>(</a:t>
+            </a:r>
+            <a:r>
+              <a:rPr lang="en-US" altLang="ja-JP" dirty="0">
+                <a:latin typeface="Consolas" panose="020B0609020204030204" pitchFamily="49" charset="0"/>
+              </a:rPr>
+              <a:t>0000UTokyo</a:t>
+            </a:r>
+            <a:r>
+              <a:rPr lang="en-US" altLang="ja-JP" dirty="0"/>
+              <a:t>) </a:t>
+            </a:r>
+            <a:r>
+              <a:rPr lang="ja-JP" altLang="en-US" dirty="0"/>
+              <a:t>と同じ設定（ユーザー名，パスワード，セキュリティ等設定）</a:t>
+            </a:r>
+            <a:endParaRPr lang="en-US" altLang="ja-JP" dirty="0"/>
+          </a:p>
+        </p:txBody>
+      </p:sp>
+      <p:sp>
+        <p:nvSpPr>
+          <p:cNvPr id="4" name="日付プレースホルダー 3">
+            <a:extLst>
+              <a:ext uri="{FF2B5EF4-FFF2-40B4-BE49-F238E27FC236}">
+                <a16:creationId xmlns:a16="http://schemas.microsoft.com/office/drawing/2014/main" id="{C97513D9-A0AB-1D8E-4C15-4A7D323125E8}"/>
+              </a:ext>
+            </a:extLst>
+          </p:cNvPr>
+          <p:cNvSpPr>
+            <a:spLocks noGrp="1"/>
+          </p:cNvSpPr>
+          <p:nvPr>
+            <p:ph type="dt" sz="half" idx="10"/>
+          </p:nvPr>
+        </p:nvSpPr>
+        <p:spPr/>
+        <p:txBody>
+          <a:bodyPr/>
+          <a:lstStyle/>
+          <a:p>
+            <a:r>
+              <a:rPr kumimoji="1" lang="en-US" altLang="ja-JP"/>
+              <a:t>2025/3/12</a:t>
+            </a:r>
+            <a:endParaRPr kumimoji="1" lang="ja-JP" altLang="en-US"/>
+          </a:p>
+        </p:txBody>
+      </p:sp>
+      <p:sp>
+        <p:nvSpPr>
+          <p:cNvPr id="5" name="フッター プレースホルダー 4">
+            <a:extLst>
+              <a:ext uri="{FF2B5EF4-FFF2-40B4-BE49-F238E27FC236}">
+                <a16:creationId xmlns:a16="http://schemas.microsoft.com/office/drawing/2014/main" id="{35C3F723-6739-73CB-2A91-DD6522D57280}"/>
+              </a:ext>
+            </a:extLst>
+          </p:cNvPr>
+          <p:cNvSpPr>
+            <a:spLocks noGrp="1"/>
+          </p:cNvSpPr>
+          <p:nvPr>
+            <p:ph type="ftr" sz="quarter" idx="11"/>
+          </p:nvPr>
+        </p:nvSpPr>
+        <p:spPr/>
+        <p:txBody>
+          <a:bodyPr/>
+          <a:lstStyle/>
+          <a:p>
+            <a:r>
+              <a:rPr kumimoji="1" lang="en-US" altLang="ja-JP"/>
+              <a:t>2025 S</a:t>
+            </a:r>
+            <a:r>
+              <a:rPr kumimoji="1" lang="ja-JP" altLang="en-US"/>
+              <a:t>セメスター</a:t>
+            </a:r>
+            <a:r>
+              <a:rPr kumimoji="1" lang="en-US" altLang="ja-JP"/>
+              <a:t>utelcon</a:t>
+            </a:r>
+            <a:r>
+              <a:rPr kumimoji="1" lang="ja-JP" altLang="en-US"/>
+              <a:t>説明会</a:t>
+            </a:r>
+          </a:p>
+        </p:txBody>
+      </p:sp>
+      <p:sp>
+        <p:nvSpPr>
+          <p:cNvPr id="6" name="スライド番号プレースホルダー 5">
+            <a:extLst>
+              <a:ext uri="{FF2B5EF4-FFF2-40B4-BE49-F238E27FC236}">
+                <a16:creationId xmlns:a16="http://schemas.microsoft.com/office/drawing/2014/main" id="{CFEB7B03-9447-BAEB-E7AB-6089AD8560D0}"/>
+              </a:ext>
+            </a:extLst>
+          </p:cNvPr>
+          <p:cNvSpPr>
+            <a:spLocks noGrp="1"/>
+          </p:cNvSpPr>
+          <p:nvPr>
+            <p:ph type="sldNum" sz="quarter" idx="12"/>
+          </p:nvPr>
+        </p:nvSpPr>
+        <p:spPr/>
+        <p:txBody>
+          <a:bodyPr/>
+          <a:lstStyle/>
+          <a:p>
+            <a:fld id="{238D974C-B194-4AA9-B594-062E052A82EF}" type="slidenum">
+              <a:rPr kumimoji="1" lang="ja-JP" altLang="en-US" smtClean="0"/>
+              <a:t>36</a:t>
+            </a:fld>
+            <a:endParaRPr kumimoji="1" lang="ja-JP" altLang="en-US"/>
+          </a:p>
+        </p:txBody>
+      </p:sp>
+    </p:spTree>
+    <p:extLst>
+      <p:ext uri="{BB962C8B-B14F-4D97-AF65-F5344CB8AC3E}">
+        <p14:creationId xmlns:p14="http://schemas.microsoft.com/office/powerpoint/2010/main" val="3111171398"/>
+      </p:ext>
+    </p:extLst>
+  </p:cSld>
+  <p:clrMapOvr>
+    <a:masterClrMapping/>
+  </p:clrMapOvr>
+</p:sld>
+</file>
+
+<file path=ppt/slides/slide37.xml><?xml version="1.0" encoding="utf-8"?>
 <p:sld xmlns:a="http://schemas.openxmlformats.org/drawingml/2006/main" xmlns:r="http://schemas.openxmlformats.org/officeDocument/2006/relationships" xmlns:p="http://schemas.openxmlformats.org/presentationml/2006/main">
   <p:cSld>
     <p:spTree>
@@ -21030,7 +21238,7 @@
             </a:r>
             <a:r>
               <a:rPr kumimoji="1" lang="ja-JP" altLang="en-US"/>
-              <a:t>セメスタ</a:t>
+              <a:t>セメスター</a:t>
             </a:r>
             <a:r>
               <a:rPr kumimoji="1" lang="en-US" altLang="ja-JP"/>
@@ -21066,7 +21274,7 @@
           <a:p>
             <a:fld id="{238D974C-B194-4AA9-B594-062E052A82EF}" type="slidenum">
               <a:rPr kumimoji="1" lang="ja-JP" altLang="en-US" smtClean="0"/>
-              <a:t>36</a:t>
+              <a:t>37</a:t>
             </a:fld>
             <a:endParaRPr kumimoji="1" lang="ja-JP" altLang="en-US"/>
           </a:p>
@@ -21386,7 +21594,7 @@
 </p:sld>
 </file>
 
-<file path=ppt/slides/slide37.xml><?xml version="1.0" encoding="utf-8"?>
+<file path=ppt/slides/slide38.xml><?xml version="1.0" encoding="utf-8"?>
 <p:sld xmlns:a="http://schemas.openxmlformats.org/drawingml/2006/main" xmlns:r="http://schemas.openxmlformats.org/officeDocument/2006/relationships" xmlns:p="http://schemas.openxmlformats.org/presentationml/2006/main">
   <p:cSld>
     <p:spTree>
@@ -21660,7 +21868,7 @@
             </a:r>
             <a:r>
               <a:rPr kumimoji="1" lang="ja-JP" altLang="en-US"/>
-              <a:t>セメスタ</a:t>
+              <a:t>セメスター</a:t>
             </a:r>
             <a:r>
               <a:rPr kumimoji="1" lang="en-US" altLang="ja-JP"/>
@@ -21696,7 +21904,7 @@
           <a:p>
             <a:fld id="{238D974C-B194-4AA9-B594-062E052A82EF}" type="slidenum">
               <a:rPr kumimoji="1" lang="ja-JP" altLang="en-US" smtClean="0"/>
-              <a:t>37</a:t>
+              <a:t>38</a:t>
             </a:fld>
             <a:endParaRPr kumimoji="1" lang="ja-JP" altLang="en-US"/>
           </a:p>
@@ -22091,7 +22299,7 @@
             </a:r>
             <a:r>
               <a:rPr kumimoji="1" lang="ja-JP" altLang="en-US"/>
-              <a:t>セメスタ</a:t>
+              <a:t>セメスター</a:t>
             </a:r>
             <a:r>
               <a:rPr kumimoji="1" lang="en-US" altLang="ja-JP"/>
@@ -22787,7 +22995,7 @@
             </a:r>
             <a:r>
               <a:rPr kumimoji="1" lang="ja-JP" altLang="en-US"/>
-              <a:t>セメスタ</a:t>
+              <a:t>セメスター</a:t>
             </a:r>
             <a:r>
               <a:rPr kumimoji="1" lang="en-US" altLang="ja-JP"/>
@@ -23428,7 +23636,7 @@
             </a:r>
             <a:r>
               <a:rPr kumimoji="1" lang="ja-JP" altLang="en-US"/>
-              <a:t>セメスタ</a:t>
+              <a:t>セメスター</a:t>
             </a:r>
             <a:r>
               <a:rPr kumimoji="1" lang="en-US" altLang="ja-JP"/>
@@ -23735,7 +23943,7 @@
             </a:r>
             <a:r>
               <a:rPr kumimoji="1" lang="ja-JP" altLang="en-US"/>
-              <a:t>セメスタ</a:t>
+              <a:t>セメスター</a:t>
             </a:r>
             <a:r>
               <a:rPr kumimoji="1" lang="en-US" altLang="ja-JP"/>
@@ -24207,7 +24415,7 @@
             </a:r>
             <a:r>
               <a:rPr kumimoji="1" lang="ja-JP" altLang="en-US"/>
-              <a:t>セメスタ</a:t>
+              <a:t>セメスター</a:t>
             </a:r>
             <a:r>
               <a:rPr kumimoji="1" lang="en-US" altLang="ja-JP"/>
@@ -24716,7 +24924,7 @@
                   <a:schemeClr val="accent6"/>
                 </a:solidFill>
               </a:rPr>
-              <a:t>〝</a:t>
+              <a:t>“</a:t>
             </a:r>
             <a:r>
               <a:rPr lang="ja-JP" altLang="en-US" sz="2800" dirty="0">
@@ -24727,20 +24935,12 @@
               <a:t>はじめに </a:t>
             </a:r>
             <a:r>
-              <a:rPr lang="en-US" altLang="ja-JP" sz="2800" dirty="0" err="1">
-                <a:solidFill>
-                  <a:schemeClr val="accent6"/>
-                </a:solidFill>
-              </a:rPr>
-              <a:t>UTokyo</a:t>
-            </a:r>
-            <a:r>
               <a:rPr lang="en-US" altLang="ja-JP" sz="2800" dirty="0">
                 <a:solidFill>
                   <a:schemeClr val="accent6"/>
                 </a:solidFill>
               </a:rPr>
-              <a:t> Account </a:t>
+              <a:t>UTokyo Account </a:t>
             </a:r>
             <a:r>
               <a:rPr lang="ja-JP" altLang="en-US" sz="2800" dirty="0">
@@ -24756,7 +24956,7 @@
                   <a:schemeClr val="accent6"/>
                 </a:solidFill>
               </a:rPr>
-              <a:t>〟</a:t>
+              <a:t>”</a:t>
             </a:r>
           </a:p>
           <a:p>
@@ -24774,15 +24974,35 @@
             </a:br>
             <a:r>
               <a:rPr lang="ja-JP" altLang="en-US" dirty="0"/>
-              <a:t>シングルサインオン（</a:t>
-            </a:r>
-            <a:r>
-              <a:rPr lang="en-US" altLang="ja-JP" dirty="0"/>
+              <a:t>シングルサインオン</a:t>
+            </a:r>
+            <a:r>
+              <a:rPr lang="ja-JP" altLang="en-US" dirty="0">
+                <a:solidFill>
+                  <a:schemeClr val="accent6"/>
+                </a:solidFill>
+              </a:rPr>
+              <a:t>（</a:t>
+            </a:r>
+            <a:r>
+              <a:rPr lang="en-US" altLang="ja-JP" dirty="0">
+                <a:solidFill>
+                  <a:schemeClr val="accent6"/>
+                </a:solidFill>
+              </a:rPr>
               <a:t>SSO</a:t>
             </a:r>
             <a:r>
+              <a:rPr lang="ja-JP" altLang="en-US" dirty="0">
+                <a:solidFill>
+                  <a:schemeClr val="accent6"/>
+                </a:solidFill>
+              </a:rPr>
+              <a:t>）</a:t>
+            </a:r>
+            <a:r>
               <a:rPr lang="ja-JP" altLang="en-US" dirty="0"/>
-              <a:t>）を導入</a:t>
+              <a:t>を導入</a:t>
             </a:r>
             <a:endParaRPr lang="en-US" altLang="ja-JP" dirty="0"/>
           </a:p>
@@ -24844,7 +25064,7 @@
             </a:r>
             <a:r>
               <a:rPr kumimoji="1" lang="ja-JP" altLang="en-US"/>
-              <a:t>セメスタ</a:t>
+              <a:t>セメスター</a:t>
             </a:r>
             <a:r>
               <a:rPr kumimoji="1" lang="en-US" altLang="ja-JP"/>
@@ -25436,26 +25656,6 @@
 </file>
 
 <file path=customXml/item1.xml><?xml version="1.0" encoding="utf-8"?>
-<?mso-contentType ?>
-<FormTemplates xmlns="http://schemas.microsoft.com/sharepoint/v3/contenttype/forms">
-  <Display>DocumentLibraryForm</Display>
-  <Edit>DocumentLibraryForm</Edit>
-  <New>DocumentLibraryForm</New>
-</FormTemplates>
-</file>
-
-<file path=customXml/item2.xml><?xml version="1.0" encoding="utf-8"?>
-<p:properties xmlns:p="http://schemas.microsoft.com/office/2006/metadata/properties" xmlns:xsi="http://www.w3.org/2001/XMLSchema-instance" xmlns:pc="http://schemas.microsoft.com/office/infopath/2007/PartnerControls">
-  <documentManagement>
-    <TaxCatchAll xmlns="b060e5a1-51d4-46e7-9a5b-f495fb1d1068" xsi:nil="true"/>
-    <lcf76f155ced4ddcb4097134ff3c332f xmlns="f7d78b45-837d-4ce6-9082-fef648083af7">
-      <Terms xmlns="http://schemas.microsoft.com/office/infopath/2007/PartnerControls"/>
-    </lcf76f155ced4ddcb4097134ff3c332f>
-  </documentManagement>
-</p:properties>
-</file>
-
-<file path=customXml/item3.xml><?xml version="1.0" encoding="utf-8"?>
 <ct:contentTypeSchema xmlns:ct="http://schemas.microsoft.com/office/2006/metadata/contentType" xmlns:ma="http://schemas.microsoft.com/office/2006/metadata/properties/metaAttributes" ct:_="" ma:_="" ma:contentTypeName="ドキュメント" ma:contentTypeID="0x010100877763BC7A02A247BF541BEEA2238C01" ma:contentTypeVersion="14" ma:contentTypeDescription="新しいドキュメントを作成します。" ma:contentTypeScope="" ma:versionID="ad27d2933186c9f45b16420b923bc165">
   <xsd:schema xmlns:xsd="http://www.w3.org/2001/XMLSchema" xmlns:xs="http://www.w3.org/2001/XMLSchema" xmlns:p="http://schemas.microsoft.com/office/2006/metadata/properties" xmlns:ns2="f7d78b45-837d-4ce6-9082-fef648083af7" xmlns:ns3="b060e5a1-51d4-46e7-9a5b-f495fb1d1068" targetNamespace="http://schemas.microsoft.com/office/2006/metadata/properties" ma:root="true" ma:fieldsID="411a77e0b3410c82da6a43fffdee55d4" ns2:_="" ns3:_="">
     <xsd:import namespace="f7d78b45-837d-4ce6-9082-fef648083af7"/>
@@ -25684,7 +25884,46 @@
 </ct:contentTypeSchema>
 </file>
 
+<file path=customXml/item2.xml><?xml version="1.0" encoding="utf-8"?>
+<?mso-contentType ?>
+<FormTemplates xmlns="http://schemas.microsoft.com/sharepoint/v3/contenttype/forms">
+  <Display>DocumentLibraryForm</Display>
+  <Edit>DocumentLibraryForm</Edit>
+  <New>DocumentLibraryForm</New>
+</FormTemplates>
+</file>
+
+<file path=customXml/item3.xml><?xml version="1.0" encoding="utf-8"?>
+<p:properties xmlns:p="http://schemas.microsoft.com/office/2006/metadata/properties" xmlns:xsi="http://www.w3.org/2001/XMLSchema-instance" xmlns:pc="http://schemas.microsoft.com/office/infopath/2007/PartnerControls">
+  <documentManagement>
+    <TaxCatchAll xmlns="b060e5a1-51d4-46e7-9a5b-f495fb1d1068" xsi:nil="true"/>
+    <lcf76f155ced4ddcb4097134ff3c332f xmlns="f7d78b45-837d-4ce6-9082-fef648083af7">
+      <Terms xmlns="http://schemas.microsoft.com/office/infopath/2007/PartnerControls"/>
+    </lcf76f155ced4ddcb4097134ff3c332f>
+  </documentManagement>
+</p:properties>
+</file>
+
 <file path=customXml/itemProps1.xml><?xml version="1.0" encoding="utf-8"?>
+<ds:datastoreItem xmlns:ds="http://schemas.openxmlformats.org/officeDocument/2006/customXml" ds:itemID="{AB95EE2B-0C44-41FE-9150-06CCD6E300BB}">
+  <ds:schemaRefs>
+    <ds:schemaRef ds:uri="http://schemas.microsoft.com/office/2006/metadata/contentType"/>
+    <ds:schemaRef ds:uri="http://schemas.microsoft.com/office/2006/metadata/properties/metaAttributes"/>
+    <ds:schemaRef ds:uri="http://www.w3.org/2001/XMLSchema"/>
+    <ds:schemaRef ds:uri="http://schemas.microsoft.com/office/2006/metadata/properties"/>
+    <ds:schemaRef ds:uri="f7d78b45-837d-4ce6-9082-fef648083af7"/>
+    <ds:schemaRef ds:uri="b060e5a1-51d4-46e7-9a5b-f495fb1d1068"/>
+    <ds:schemaRef ds:uri="http://schemas.microsoft.com/office/2006/documentManagement/types"/>
+    <ds:schemaRef ds:uri="http://schemas.microsoft.com/office/infopath/2007/PartnerControls"/>
+    <ds:schemaRef ds:uri="http://schemas.openxmlformats.org/package/2006/metadata/core-properties"/>
+    <ds:schemaRef ds:uri="http://purl.org/dc/elements/1.1/"/>
+    <ds:schemaRef ds:uri="http://purl.org/dc/terms/"/>
+    <ds:schemaRef ds:uri="http://schemas.microsoft.com/internal/obd"/>
+  </ds:schemaRefs>
+</ds:datastoreItem>
+</file>
+
+<file path=customXml/itemProps2.xml><?xml version="1.0" encoding="utf-8"?>
 <ds:datastoreItem xmlns:ds="http://schemas.openxmlformats.org/officeDocument/2006/customXml" ds:itemID="{6130639F-8A0E-4631-BB2C-1307E9C18413}">
   <ds:schemaRefs>
     <ds:schemaRef ds:uri="http://schemas.microsoft.com/sharepoint/v3/contenttype/forms"/>
@@ -25692,7 +25931,7 @@
 </ds:datastoreItem>
 </file>
 
-<file path=customXml/itemProps2.xml><?xml version="1.0" encoding="utf-8"?>
+<file path=customXml/itemProps3.xml><?xml version="1.0" encoding="utf-8"?>
 <ds:datastoreItem xmlns:ds="http://schemas.openxmlformats.org/officeDocument/2006/customXml" ds:itemID="{613B5A8C-C2D2-4C49-A03B-B41437F9A3AD}">
   <ds:schemaRefs>
     <ds:schemaRef ds:uri="http://purl.org/dc/terms/"/>
@@ -25709,23 +25948,4 @@
     <ds:schemaRef ds:uri="f7d78b45-837d-4ce6-9082-fef648083af7"/>
   </ds:schemaRefs>
 </ds:datastoreItem>
-</file>
-
-<file path=customXml/itemProps3.xml><?xml version="1.0" encoding="utf-8"?>
-<ds:datastoreItem xmlns:ds="http://schemas.openxmlformats.org/officeDocument/2006/customXml" ds:itemID="{AB95EE2B-0C44-41FE-9150-06CCD6E300BB}">
-  <ds:schemaRefs>
-    <ds:schemaRef ds:uri="http://schemas.microsoft.com/office/2006/metadata/contentType"/>
-    <ds:schemaRef ds:uri="http://schemas.microsoft.com/office/2006/metadata/properties/metaAttributes"/>
-    <ds:schemaRef ds:uri="http://www.w3.org/2001/XMLSchema"/>
-    <ds:schemaRef ds:uri="http://schemas.microsoft.com/office/2006/metadata/properties"/>
-    <ds:schemaRef ds:uri="f7d78b45-837d-4ce6-9082-fef648083af7"/>
-    <ds:schemaRef ds:uri="b060e5a1-51d4-46e7-9a5b-f495fb1d1068"/>
-    <ds:schemaRef ds:uri="http://schemas.microsoft.com/office/2006/documentManagement/types"/>
-    <ds:schemaRef ds:uri="http://schemas.microsoft.com/office/infopath/2007/PartnerControls"/>
-    <ds:schemaRef ds:uri="http://schemas.openxmlformats.org/package/2006/metadata/core-properties"/>
-    <ds:schemaRef ds:uri="http://purl.org/dc/elements/1.1/"/>
-    <ds:schemaRef ds:uri="http://purl.org/dc/terms/"/>
-    <ds:schemaRef ds:uri="http://schemas.microsoft.com/internal/obd"/>
-  </ds:schemaRefs>
-</ds:datastoreItem>
 </file>